--- a/Venture.pptx
+++ b/Venture.pptx
@@ -5,7 +5,7 @@
     <p:sldMasterId id="2147483689" r:id="rId1"/>
   </p:sldMasterIdLst>
   <p:notesMasterIdLst>
-    <p:notesMasterId r:id="rId19"/>
+    <p:notesMasterId r:id="rId23"/>
   </p:notesMasterIdLst>
   <p:sldIdLst>
     <p:sldId id="256" r:id="rId2"/>
@@ -25,6 +25,10 @@
     <p:sldId id="271" r:id="rId16"/>
     <p:sldId id="272" r:id="rId17"/>
     <p:sldId id="273" r:id="rId18"/>
+    <p:sldId id="274" r:id="rId19"/>
+    <p:sldId id="275" r:id="rId20"/>
+    <p:sldId id="276" r:id="rId21"/>
+    <p:sldId id="277" r:id="rId22"/>
   </p:sldIdLst>
   <p:sldSz cx="12192000" cy="6858000"/>
   <p:notesSz cx="6858000" cy="9144000"/>
@@ -123,6 +127,11 @@
       </a:defRPr>
     </a:lvl9pPr>
   </p:defaultTextStyle>
+  <p:extLst>
+    <p:ext uri="{EFAFB233-063F-42B5-8137-9DF3F51BA10A}">
+      <p15:sldGuideLst xmlns:p15="http://schemas.microsoft.com/office/powerpoint/2012/main"/>
+    </p:ext>
+  </p:extLst>
 </p:presentation>
 </file>
 
@@ -212,7 +221,7 @@
           <a:p>
             <a:fld id="{BBF1DAB9-AA3B-4054-8BE9-0CAF8280FE09}" type="datetimeFigureOut">
               <a:rPr lang="ro-RO" smtClean="0"/>
-              <a:t>27.06.2017</a:t>
+              <a:t>28.06.2017</a:t>
             </a:fld>
             <a:endParaRPr lang="ro-RO"/>
           </a:p>
@@ -1030,6 +1039,486 @@
 </p:notes>
 </file>
 
+<file path=ppt/notesSlides/notesSlide15.xml><?xml version="1.0" encoding="utf-8"?>
+<p:notes xmlns:a="http://schemas.openxmlformats.org/drawingml/2006/main" xmlns:r="http://schemas.openxmlformats.org/officeDocument/2006/relationships" xmlns:p="http://schemas.openxmlformats.org/presentationml/2006/main">
+  <p:cSld>
+    <p:spTree>
+      <p:nvGrpSpPr>
+        <p:cNvPr id="1" name=""/>
+        <p:cNvGrpSpPr/>
+        <p:nvPr/>
+      </p:nvGrpSpPr>
+      <p:grpSpPr>
+        <a:xfrm>
+          <a:off x="0" y="0"/>
+          <a:ext cx="0" cy="0"/>
+          <a:chOff x="0" y="0"/>
+          <a:chExt cx="0" cy="0"/>
+        </a:xfrm>
+      </p:grpSpPr>
+      <p:sp>
+        <p:nvSpPr>
+          <p:cNvPr id="2" name="Slide Image Placeholder 1"/>
+          <p:cNvSpPr>
+            <a:spLocks noGrp="1" noRot="1" noChangeAspect="1"/>
+          </p:cNvSpPr>
+          <p:nvPr>
+            <p:ph type="sldImg"/>
+          </p:nvPr>
+        </p:nvSpPr>
+        <p:spPr/>
+      </p:sp>
+      <p:sp>
+        <p:nvSpPr>
+          <p:cNvPr id="3" name="Notes Placeholder 2"/>
+          <p:cNvSpPr>
+            <a:spLocks noGrp="1"/>
+          </p:cNvSpPr>
+          <p:nvPr>
+            <p:ph type="body" idx="1"/>
+          </p:nvPr>
+        </p:nvSpPr>
+        <p:spPr/>
+        <p:txBody>
+          <a:bodyPr/>
+          <a:lstStyle/>
+          <a:p>
+            <a:r>
+              <a:rPr lang="en-US" dirty="0" err="1"/>
+              <a:t>Responsabilitati</a:t>
+            </a:r>
+            <a:r>
+              <a:rPr lang="en-US" dirty="0"/>
+              <a:t>.</a:t>
+            </a:r>
+            <a:endParaRPr lang="ro-RO" dirty="0"/>
+          </a:p>
+        </p:txBody>
+      </p:sp>
+      <p:sp>
+        <p:nvSpPr>
+          <p:cNvPr id="4" name="Slide Number Placeholder 3"/>
+          <p:cNvSpPr>
+            <a:spLocks noGrp="1"/>
+          </p:cNvSpPr>
+          <p:nvPr>
+            <p:ph type="sldNum" sz="quarter" idx="10"/>
+          </p:nvPr>
+        </p:nvSpPr>
+        <p:spPr/>
+        <p:txBody>
+          <a:bodyPr/>
+          <a:lstStyle/>
+          <a:p>
+            <a:fld id="{C7F9353B-E82F-49C4-B477-1375C0C1E55E}" type="slidenum">
+              <a:rPr lang="ro-RO" smtClean="0"/>
+              <a:t>15</a:t>
+            </a:fld>
+            <a:endParaRPr lang="ro-RO"/>
+          </a:p>
+        </p:txBody>
+      </p:sp>
+    </p:spTree>
+    <p:extLst>
+      <p:ext uri="{BB962C8B-B14F-4D97-AF65-F5344CB8AC3E}">
+        <p14:creationId xmlns:p14="http://schemas.microsoft.com/office/powerpoint/2010/main" val="3003566907"/>
+      </p:ext>
+    </p:extLst>
+  </p:cSld>
+  <p:clrMapOvr>
+    <a:masterClrMapping/>
+  </p:clrMapOvr>
+</p:notes>
+</file>
+
+<file path=ppt/notesSlides/notesSlide16.xml><?xml version="1.0" encoding="utf-8"?>
+<p:notes xmlns:a="http://schemas.openxmlformats.org/drawingml/2006/main" xmlns:r="http://schemas.openxmlformats.org/officeDocument/2006/relationships" xmlns:p="http://schemas.openxmlformats.org/presentationml/2006/main">
+  <p:cSld>
+    <p:spTree>
+      <p:nvGrpSpPr>
+        <p:cNvPr id="1" name=""/>
+        <p:cNvGrpSpPr/>
+        <p:nvPr/>
+      </p:nvGrpSpPr>
+      <p:grpSpPr>
+        <a:xfrm>
+          <a:off x="0" y="0"/>
+          <a:ext cx="0" cy="0"/>
+          <a:chOff x="0" y="0"/>
+          <a:chExt cx="0" cy="0"/>
+        </a:xfrm>
+      </p:grpSpPr>
+      <p:sp>
+        <p:nvSpPr>
+          <p:cNvPr id="2" name="Slide Image Placeholder 1"/>
+          <p:cNvSpPr>
+            <a:spLocks noGrp="1" noRot="1" noChangeAspect="1"/>
+          </p:cNvSpPr>
+          <p:nvPr>
+            <p:ph type="sldImg"/>
+          </p:nvPr>
+        </p:nvSpPr>
+        <p:spPr/>
+      </p:sp>
+      <p:sp>
+        <p:nvSpPr>
+          <p:cNvPr id="3" name="Notes Placeholder 2"/>
+          <p:cNvSpPr>
+            <a:spLocks noGrp="1"/>
+          </p:cNvSpPr>
+          <p:nvPr>
+            <p:ph type="body" idx="1"/>
+          </p:nvPr>
+        </p:nvSpPr>
+        <p:spPr/>
+        <p:txBody>
+          <a:bodyPr/>
+          <a:lstStyle/>
+          <a:p>
+            <a:r>
+              <a:rPr lang="en-US" dirty="0"/>
+              <a:t>CQRS</a:t>
+            </a:r>
+            <a:endParaRPr lang="ro-RO" dirty="0"/>
+          </a:p>
+        </p:txBody>
+      </p:sp>
+      <p:sp>
+        <p:nvSpPr>
+          <p:cNvPr id="4" name="Slide Number Placeholder 3"/>
+          <p:cNvSpPr>
+            <a:spLocks noGrp="1"/>
+          </p:cNvSpPr>
+          <p:nvPr>
+            <p:ph type="sldNum" sz="quarter" idx="10"/>
+          </p:nvPr>
+        </p:nvSpPr>
+        <p:spPr/>
+        <p:txBody>
+          <a:bodyPr/>
+          <a:lstStyle/>
+          <a:p>
+            <a:fld id="{C7F9353B-E82F-49C4-B477-1375C0C1E55E}" type="slidenum">
+              <a:rPr lang="ro-RO" smtClean="0"/>
+              <a:t>16</a:t>
+            </a:fld>
+            <a:endParaRPr lang="ro-RO"/>
+          </a:p>
+        </p:txBody>
+      </p:sp>
+    </p:spTree>
+    <p:extLst>
+      <p:ext uri="{BB962C8B-B14F-4D97-AF65-F5344CB8AC3E}">
+        <p14:creationId xmlns:p14="http://schemas.microsoft.com/office/powerpoint/2010/main" val="2596698177"/>
+      </p:ext>
+    </p:extLst>
+  </p:cSld>
+  <p:clrMapOvr>
+    <a:masterClrMapping/>
+  </p:clrMapOvr>
+</p:notes>
+</file>
+
+<file path=ppt/notesSlides/notesSlide17.xml><?xml version="1.0" encoding="utf-8"?>
+<p:notes xmlns:a="http://schemas.openxmlformats.org/drawingml/2006/main" xmlns:r="http://schemas.openxmlformats.org/officeDocument/2006/relationships" xmlns:p="http://schemas.openxmlformats.org/presentationml/2006/main">
+  <p:cSld>
+    <p:spTree>
+      <p:nvGrpSpPr>
+        <p:cNvPr id="1" name=""/>
+        <p:cNvGrpSpPr/>
+        <p:nvPr/>
+      </p:nvGrpSpPr>
+      <p:grpSpPr>
+        <a:xfrm>
+          <a:off x="0" y="0"/>
+          <a:ext cx="0" cy="0"/>
+          <a:chOff x="0" y="0"/>
+          <a:chExt cx="0" cy="0"/>
+        </a:xfrm>
+      </p:grpSpPr>
+      <p:sp>
+        <p:nvSpPr>
+          <p:cNvPr id="2" name="Slide Image Placeholder 1"/>
+          <p:cNvSpPr>
+            <a:spLocks noGrp="1" noRot="1" noChangeAspect="1"/>
+          </p:cNvSpPr>
+          <p:nvPr>
+            <p:ph type="sldImg"/>
+          </p:nvPr>
+        </p:nvSpPr>
+        <p:spPr/>
+      </p:sp>
+      <p:sp>
+        <p:nvSpPr>
+          <p:cNvPr id="3" name="Notes Placeholder 2"/>
+          <p:cNvSpPr>
+            <a:spLocks noGrp="1"/>
+          </p:cNvSpPr>
+          <p:nvPr>
+            <p:ph type="body" idx="1"/>
+          </p:nvPr>
+        </p:nvSpPr>
+        <p:spPr/>
+        <p:txBody>
+          <a:bodyPr/>
+          <a:lstStyle/>
+          <a:p>
+            <a:r>
+              <a:rPr lang="en-US" dirty="0" err="1"/>
+              <a:t>Vorbesc</a:t>
+            </a:r>
+            <a:r>
+              <a:rPr lang="en-US" dirty="0"/>
+              <a:t> de bus, </a:t>
+            </a:r>
+            <a:r>
+              <a:rPr lang="en-US" dirty="0" err="1"/>
+              <a:t>incapsulare</a:t>
+            </a:r>
+            <a:r>
+              <a:rPr lang="en-US" dirty="0"/>
+              <a:t>, </a:t>
+            </a:r>
+            <a:r>
+              <a:rPr lang="en-US" dirty="0" err="1"/>
+              <a:t>decuplare</a:t>
+            </a:r>
+            <a:r>
+              <a:rPr lang="en-US" dirty="0"/>
+              <a:t>.</a:t>
+            </a:r>
+            <a:endParaRPr lang="ro-RO" dirty="0"/>
+          </a:p>
+        </p:txBody>
+      </p:sp>
+      <p:sp>
+        <p:nvSpPr>
+          <p:cNvPr id="4" name="Slide Number Placeholder 3"/>
+          <p:cNvSpPr>
+            <a:spLocks noGrp="1"/>
+          </p:cNvSpPr>
+          <p:nvPr>
+            <p:ph type="sldNum" sz="quarter" idx="10"/>
+          </p:nvPr>
+        </p:nvSpPr>
+        <p:spPr/>
+        <p:txBody>
+          <a:bodyPr/>
+          <a:lstStyle/>
+          <a:p>
+            <a:fld id="{C7F9353B-E82F-49C4-B477-1375C0C1E55E}" type="slidenum">
+              <a:rPr lang="ro-RO" smtClean="0"/>
+              <a:t>17</a:t>
+            </a:fld>
+            <a:endParaRPr lang="ro-RO"/>
+          </a:p>
+        </p:txBody>
+      </p:sp>
+    </p:spTree>
+    <p:extLst>
+      <p:ext uri="{BB962C8B-B14F-4D97-AF65-F5344CB8AC3E}">
+        <p14:creationId xmlns:p14="http://schemas.microsoft.com/office/powerpoint/2010/main" val="2245298811"/>
+      </p:ext>
+    </p:extLst>
+  </p:cSld>
+  <p:clrMapOvr>
+    <a:masterClrMapping/>
+  </p:clrMapOvr>
+</p:notes>
+</file>
+
+<file path=ppt/notesSlides/notesSlide18.xml><?xml version="1.0" encoding="utf-8"?>
+<p:notes xmlns:a="http://schemas.openxmlformats.org/drawingml/2006/main" xmlns:r="http://schemas.openxmlformats.org/officeDocument/2006/relationships" xmlns:p="http://schemas.openxmlformats.org/presentationml/2006/main">
+  <p:cSld>
+    <p:spTree>
+      <p:nvGrpSpPr>
+        <p:cNvPr id="1" name=""/>
+        <p:cNvGrpSpPr/>
+        <p:nvPr/>
+      </p:nvGrpSpPr>
+      <p:grpSpPr>
+        <a:xfrm>
+          <a:off x="0" y="0"/>
+          <a:ext cx="0" cy="0"/>
+          <a:chOff x="0" y="0"/>
+          <a:chExt cx="0" cy="0"/>
+        </a:xfrm>
+      </p:grpSpPr>
+      <p:sp>
+        <p:nvSpPr>
+          <p:cNvPr id="2" name="Slide Image Placeholder 1"/>
+          <p:cNvSpPr>
+            <a:spLocks noGrp="1" noRot="1" noChangeAspect="1"/>
+          </p:cNvSpPr>
+          <p:nvPr>
+            <p:ph type="sldImg"/>
+          </p:nvPr>
+        </p:nvSpPr>
+        <p:spPr/>
+      </p:sp>
+      <p:sp>
+        <p:nvSpPr>
+          <p:cNvPr id="3" name="Notes Placeholder 2"/>
+          <p:cNvSpPr>
+            <a:spLocks noGrp="1"/>
+          </p:cNvSpPr>
+          <p:nvPr>
+            <p:ph type="body" idx="1"/>
+          </p:nvPr>
+        </p:nvSpPr>
+        <p:spPr/>
+        <p:txBody>
+          <a:bodyPr/>
+          <a:lstStyle/>
+          <a:p>
+            <a:r>
+              <a:rPr lang="en-US" dirty="0" err="1"/>
+              <a:t>Exemplific</a:t>
+            </a:r>
+            <a:r>
+              <a:rPr lang="en-US" dirty="0"/>
+              <a:t> </a:t>
+            </a:r>
+            <a:r>
+              <a:rPr lang="en-US" dirty="0" err="1"/>
+              <a:t>tipurile</a:t>
+            </a:r>
+            <a:r>
+              <a:rPr lang="en-US" dirty="0"/>
+              <a:t> de </a:t>
+            </a:r>
+            <a:r>
+              <a:rPr lang="en-US" dirty="0" err="1"/>
+              <a:t>mesaje</a:t>
+            </a:r>
+            <a:r>
+              <a:rPr lang="en-US" dirty="0"/>
+              <a:t>, </a:t>
+            </a:r>
+            <a:endParaRPr lang="ro-RO" dirty="0"/>
+          </a:p>
+        </p:txBody>
+      </p:sp>
+      <p:sp>
+        <p:nvSpPr>
+          <p:cNvPr id="4" name="Slide Number Placeholder 3"/>
+          <p:cNvSpPr>
+            <a:spLocks noGrp="1"/>
+          </p:cNvSpPr>
+          <p:nvPr>
+            <p:ph type="sldNum" sz="quarter" idx="10"/>
+          </p:nvPr>
+        </p:nvSpPr>
+        <p:spPr/>
+        <p:txBody>
+          <a:bodyPr/>
+          <a:lstStyle/>
+          <a:p>
+            <a:fld id="{C7F9353B-E82F-49C4-B477-1375C0C1E55E}" type="slidenum">
+              <a:rPr lang="ro-RO" smtClean="0"/>
+              <a:t>18</a:t>
+            </a:fld>
+            <a:endParaRPr lang="ro-RO"/>
+          </a:p>
+        </p:txBody>
+      </p:sp>
+    </p:spTree>
+    <p:extLst>
+      <p:ext uri="{BB962C8B-B14F-4D97-AF65-F5344CB8AC3E}">
+        <p14:creationId xmlns:p14="http://schemas.microsoft.com/office/powerpoint/2010/main" val="823672467"/>
+      </p:ext>
+    </p:extLst>
+  </p:cSld>
+  <p:clrMapOvr>
+    <a:masterClrMapping/>
+  </p:clrMapOvr>
+</p:notes>
+</file>
+
+<file path=ppt/notesSlides/notesSlide19.xml><?xml version="1.0" encoding="utf-8"?>
+<p:notes xmlns:a="http://schemas.openxmlformats.org/drawingml/2006/main" xmlns:r="http://schemas.openxmlformats.org/officeDocument/2006/relationships" xmlns:p="http://schemas.openxmlformats.org/presentationml/2006/main">
+  <p:cSld>
+    <p:spTree>
+      <p:nvGrpSpPr>
+        <p:cNvPr id="1" name=""/>
+        <p:cNvGrpSpPr/>
+        <p:nvPr/>
+      </p:nvGrpSpPr>
+      <p:grpSpPr>
+        <a:xfrm>
+          <a:off x="0" y="0"/>
+          <a:ext cx="0" cy="0"/>
+          <a:chOff x="0" y="0"/>
+          <a:chExt cx="0" cy="0"/>
+        </a:xfrm>
+      </p:grpSpPr>
+      <p:sp>
+        <p:nvSpPr>
+          <p:cNvPr id="2" name="Slide Image Placeholder 1"/>
+          <p:cNvSpPr>
+            <a:spLocks noGrp="1" noRot="1" noChangeAspect="1"/>
+          </p:cNvSpPr>
+          <p:nvPr>
+            <p:ph type="sldImg"/>
+          </p:nvPr>
+        </p:nvSpPr>
+        <p:spPr/>
+      </p:sp>
+      <p:sp>
+        <p:nvSpPr>
+          <p:cNvPr id="3" name="Notes Placeholder 2"/>
+          <p:cNvSpPr>
+            <a:spLocks noGrp="1"/>
+          </p:cNvSpPr>
+          <p:nvPr>
+            <p:ph type="body" idx="1"/>
+          </p:nvPr>
+        </p:nvSpPr>
+        <p:spPr/>
+        <p:txBody>
+          <a:bodyPr/>
+          <a:lstStyle/>
+          <a:p>
+            <a:endParaRPr lang="ro-RO" dirty="0"/>
+          </a:p>
+        </p:txBody>
+      </p:sp>
+      <p:sp>
+        <p:nvSpPr>
+          <p:cNvPr id="4" name="Slide Number Placeholder 3"/>
+          <p:cNvSpPr>
+            <a:spLocks noGrp="1"/>
+          </p:cNvSpPr>
+          <p:nvPr>
+            <p:ph type="sldNum" sz="quarter" idx="10"/>
+          </p:nvPr>
+        </p:nvSpPr>
+        <p:spPr/>
+        <p:txBody>
+          <a:bodyPr/>
+          <a:lstStyle/>
+          <a:p>
+            <a:fld id="{C7F9353B-E82F-49C4-B477-1375C0C1E55E}" type="slidenum">
+              <a:rPr lang="ro-RO" smtClean="0"/>
+              <a:t>19</a:t>
+            </a:fld>
+            <a:endParaRPr lang="ro-RO"/>
+          </a:p>
+        </p:txBody>
+      </p:sp>
+    </p:spTree>
+    <p:extLst>
+      <p:ext uri="{BB962C8B-B14F-4D97-AF65-F5344CB8AC3E}">
+        <p14:creationId xmlns:p14="http://schemas.microsoft.com/office/powerpoint/2010/main" val="3162023375"/>
+      </p:ext>
+    </p:extLst>
+  </p:cSld>
+  <p:clrMapOvr>
+    <a:masterClrMapping/>
+  </p:clrMapOvr>
+</p:notes>
+</file>
+
 <file path=ppt/notesSlides/notesSlide2.xml><?xml version="1.0" encoding="utf-8"?>
 <p:notes xmlns:a="http://schemas.openxmlformats.org/drawingml/2006/main" xmlns:r="http://schemas.openxmlformats.org/officeDocument/2006/relationships" xmlns:p="http://schemas.openxmlformats.org/presentationml/2006/main">
   <p:cSld>
@@ -1125,6 +1614,90 @@
     <p:extLst>
       <p:ext uri="{BB962C8B-B14F-4D97-AF65-F5344CB8AC3E}">
         <p14:creationId xmlns:p14="http://schemas.microsoft.com/office/powerpoint/2010/main" val="676071532"/>
+      </p:ext>
+    </p:extLst>
+  </p:cSld>
+  <p:clrMapOvr>
+    <a:masterClrMapping/>
+  </p:clrMapOvr>
+</p:notes>
+</file>
+
+<file path=ppt/notesSlides/notesSlide20.xml><?xml version="1.0" encoding="utf-8"?>
+<p:notes xmlns:a="http://schemas.openxmlformats.org/drawingml/2006/main" xmlns:r="http://schemas.openxmlformats.org/officeDocument/2006/relationships" xmlns:p="http://schemas.openxmlformats.org/presentationml/2006/main">
+  <p:cSld>
+    <p:spTree>
+      <p:nvGrpSpPr>
+        <p:cNvPr id="1" name=""/>
+        <p:cNvGrpSpPr/>
+        <p:nvPr/>
+      </p:nvGrpSpPr>
+      <p:grpSpPr>
+        <a:xfrm>
+          <a:off x="0" y="0"/>
+          <a:ext cx="0" cy="0"/>
+          <a:chOff x="0" y="0"/>
+          <a:chExt cx="0" cy="0"/>
+        </a:xfrm>
+      </p:grpSpPr>
+      <p:sp>
+        <p:nvSpPr>
+          <p:cNvPr id="2" name="Slide Image Placeholder 1"/>
+          <p:cNvSpPr>
+            <a:spLocks noGrp="1" noRot="1" noChangeAspect="1"/>
+          </p:cNvSpPr>
+          <p:nvPr>
+            <p:ph type="sldImg"/>
+          </p:nvPr>
+        </p:nvSpPr>
+        <p:spPr/>
+      </p:sp>
+      <p:sp>
+        <p:nvSpPr>
+          <p:cNvPr id="3" name="Notes Placeholder 2"/>
+          <p:cNvSpPr>
+            <a:spLocks noGrp="1"/>
+          </p:cNvSpPr>
+          <p:nvPr>
+            <p:ph type="body" idx="1"/>
+          </p:nvPr>
+        </p:nvSpPr>
+        <p:spPr/>
+        <p:txBody>
+          <a:bodyPr/>
+          <a:lstStyle/>
+          <a:p>
+            <a:endParaRPr lang="ro-RO" dirty="0"/>
+          </a:p>
+        </p:txBody>
+      </p:sp>
+      <p:sp>
+        <p:nvSpPr>
+          <p:cNvPr id="4" name="Slide Number Placeholder 3"/>
+          <p:cNvSpPr>
+            <a:spLocks noGrp="1"/>
+          </p:cNvSpPr>
+          <p:nvPr>
+            <p:ph type="sldNum" sz="quarter" idx="10"/>
+          </p:nvPr>
+        </p:nvSpPr>
+        <p:spPr/>
+        <p:txBody>
+          <a:bodyPr/>
+          <a:lstStyle/>
+          <a:p>
+            <a:fld id="{C7F9353B-E82F-49C4-B477-1375C0C1E55E}" type="slidenum">
+              <a:rPr lang="ro-RO" smtClean="0"/>
+              <a:t>20</a:t>
+            </a:fld>
+            <a:endParaRPr lang="ro-RO"/>
+          </a:p>
+        </p:txBody>
+      </p:sp>
+    </p:spTree>
+    <p:extLst>
+      <p:ext uri="{BB962C8B-B14F-4D97-AF65-F5344CB8AC3E}">
+        <p14:creationId xmlns:p14="http://schemas.microsoft.com/office/powerpoint/2010/main" val="3946908698"/>
       </p:ext>
     </p:extLst>
   </p:cSld>
@@ -1868,7 +2441,7 @@
           <a:p>
             <a:fld id="{FB3D0573-E7A3-4EF4-A5A4-57964CA52A2E}" type="datetime1">
               <a:rPr lang="ro-RO" smtClean="0"/>
-              <a:t>27.06.2017</a:t>
+              <a:t>28.06.2017</a:t>
             </a:fld>
             <a:endParaRPr lang="ro-RO"/>
           </a:p>
@@ -2038,7 +2611,7 @@
           <a:p>
             <a:fld id="{A378AA7C-769E-4F17-8143-1F7AE847BB88}" type="datetime1">
               <a:rPr lang="ro-RO" smtClean="0"/>
-              <a:t>27.06.2017</a:t>
+              <a:t>28.06.2017</a:t>
             </a:fld>
             <a:endParaRPr lang="ro-RO"/>
           </a:p>
@@ -2218,7 +2791,7 @@
           <a:p>
             <a:fld id="{26EB5748-275A-4356-8C75-0B1920DB7B93}" type="datetime1">
               <a:rPr lang="ro-RO" smtClean="0"/>
-              <a:t>27.06.2017</a:t>
+              <a:t>28.06.2017</a:t>
             </a:fld>
             <a:endParaRPr lang="ro-RO"/>
           </a:p>
@@ -2388,7 +2961,7 @@
           <a:p>
             <a:fld id="{AE916901-C0AA-41F5-A0CA-1E706D19FDC0}" type="datetime1">
               <a:rPr lang="ro-RO" smtClean="0"/>
-              <a:t>27.06.2017</a:t>
+              <a:t>28.06.2017</a:t>
             </a:fld>
             <a:endParaRPr lang="ro-RO"/>
           </a:p>
@@ -2634,7 +3207,7 @@
           <a:p>
             <a:fld id="{056FC090-9E28-46A9-981E-6147E0C5350B}" type="datetime1">
               <a:rPr lang="ro-RO" smtClean="0"/>
-              <a:t>27.06.2017</a:t>
+              <a:t>28.06.2017</a:t>
             </a:fld>
             <a:endParaRPr lang="ro-RO"/>
           </a:p>
@@ -2866,7 +3439,7 @@
           <a:p>
             <a:fld id="{ED9351B2-2435-4907-9427-4CCD3F9C42B9}" type="datetime1">
               <a:rPr lang="ro-RO" smtClean="0"/>
-              <a:t>27.06.2017</a:t>
+              <a:t>28.06.2017</a:t>
             </a:fld>
             <a:endParaRPr lang="ro-RO"/>
           </a:p>
@@ -3233,7 +3806,7 @@
           <a:p>
             <a:fld id="{E67B79C5-BAB0-4689-8F71-44E7F15221FE}" type="datetime1">
               <a:rPr lang="ro-RO" smtClean="0"/>
-              <a:t>27.06.2017</a:t>
+              <a:t>28.06.2017</a:t>
             </a:fld>
             <a:endParaRPr lang="ro-RO"/>
           </a:p>
@@ -3351,7 +3924,7 @@
           <a:p>
             <a:fld id="{49142F08-A74B-4FD9-896F-D6F4F657581E}" type="datetime1">
               <a:rPr lang="ro-RO" smtClean="0"/>
-              <a:t>27.06.2017</a:t>
+              <a:t>28.06.2017</a:t>
             </a:fld>
             <a:endParaRPr lang="ro-RO"/>
           </a:p>
@@ -3446,7 +4019,7 @@
           <a:p>
             <a:fld id="{D036B37A-90AC-40EA-AAC6-E9CAA172CF7D}" type="datetime1">
               <a:rPr lang="ro-RO" smtClean="0"/>
-              <a:t>27.06.2017</a:t>
+              <a:t>28.06.2017</a:t>
             </a:fld>
             <a:endParaRPr lang="ro-RO"/>
           </a:p>
@@ -3723,7 +4296,7 @@
           <a:p>
             <a:fld id="{3C4BA9A4-CE69-47E9-9E9A-F5B28294163E}" type="datetime1">
               <a:rPr lang="ro-RO" smtClean="0"/>
-              <a:t>27.06.2017</a:t>
+              <a:t>28.06.2017</a:t>
             </a:fld>
             <a:endParaRPr lang="ro-RO"/>
           </a:p>
@@ -3980,7 +4553,7 @@
           <a:p>
             <a:fld id="{878767AC-515D-4B60-AEFE-D952D1C9D051}" type="datetime1">
               <a:rPr lang="ro-RO" smtClean="0"/>
-              <a:t>27.06.2017</a:t>
+              <a:t>28.06.2017</a:t>
             </a:fld>
             <a:endParaRPr lang="ro-RO"/>
           </a:p>
@@ -4193,7 +4766,7 @@
           <a:p>
             <a:fld id="{8303623A-B2D0-4659-AC28-5AB92DEF6361}" type="datetime1">
               <a:rPr lang="ro-RO" smtClean="0"/>
-              <a:t>27.06.2017</a:t>
+              <a:t>28.06.2017</a:t>
             </a:fld>
             <a:endParaRPr lang="ro-RO"/>
           </a:p>
@@ -5501,6 +6074,14 @@
               <a:rPr lang="ro-RO" dirty="0"/>
               <a:t>Venture</a:t>
             </a:r>
+            <a:r>
+              <a:rPr lang="en-US" dirty="0"/>
+              <a:t> - </a:t>
+            </a:r>
+            <a:r>
+              <a:rPr lang="ro-RO" dirty="0"/>
+              <a:t>arhitectura</a:t>
+            </a:r>
           </a:p>
         </p:txBody>
       </p:sp>
@@ -5525,7 +6106,32 @@
           <a:bodyPr/>
           <a:lstStyle/>
           <a:p>
-            <a:endParaRPr lang="ro-RO"/>
+            <a:r>
+              <a:rPr lang="en-US" dirty="0" err="1"/>
+              <a:t>Venture.Gateway</a:t>
+            </a:r>
+            <a:endParaRPr lang="en-US" dirty="0"/>
+          </a:p>
+          <a:p>
+            <a:r>
+              <a:rPr lang="en-US" dirty="0" err="1"/>
+              <a:t>Venture.Users</a:t>
+            </a:r>
+            <a:endParaRPr lang="en-US" dirty="0"/>
+          </a:p>
+          <a:p>
+            <a:r>
+              <a:rPr lang="en-US" dirty="0" err="1"/>
+              <a:t>Venture.Projects</a:t>
+            </a:r>
+            <a:endParaRPr lang="en-US" dirty="0"/>
+          </a:p>
+          <a:p>
+            <a:r>
+              <a:rPr lang="en-US" dirty="0" err="1"/>
+              <a:t>Venture.Teams</a:t>
+            </a:r>
+            <a:endParaRPr lang="ro-RO" dirty="0"/>
           </a:p>
         </p:txBody>
       </p:sp>
@@ -5619,7 +6225,7 @@
             </a:r>
             <a:r>
               <a:rPr lang="ro-RO" dirty="0"/>
-              <a:t>domeniul</a:t>
+              <a:t>arhitectura</a:t>
             </a:r>
           </a:p>
         </p:txBody>
@@ -5642,444 +6248,50 @@
         </p:nvSpPr>
         <p:spPr/>
         <p:txBody>
-          <a:bodyPr>
-            <a:normAutofit fontScale="85000" lnSpcReduction="20000"/>
-          </a:bodyPr>
-          <a:lstStyle/>
-          <a:p>
-            <a:endParaRPr lang="ro-RO" dirty="0"/>
-          </a:p>
-          <a:p>
-            <a:r>
-              <a:rPr lang="ro-RO" b="1" dirty="0">
-                <a:latin typeface="Verdana" panose="020B0604030504040204" pitchFamily="34" charset="0"/>
-                <a:ea typeface="Verdana" panose="020B0604030504040204" pitchFamily="34" charset="0"/>
-                <a:cs typeface="Verdana" panose="020B0604030504040204" pitchFamily="34" charset="0"/>
-              </a:rPr>
-              <a:t>User </a:t>
-            </a:r>
-            <a:r>
-              <a:rPr lang="ro-RO" dirty="0">
-                <a:latin typeface="Verdana" panose="020B0604030504040204" pitchFamily="34" charset="0"/>
-                <a:ea typeface="Verdana" panose="020B0604030504040204" pitchFamily="34" charset="0"/>
-                <a:cs typeface="Verdana" panose="020B0604030504040204" pitchFamily="34" charset="0"/>
-              </a:rPr>
-              <a:t>– Un utilizator al aplicației. </a:t>
-            </a:r>
-          </a:p>
-          <a:p>
-            <a:r>
-              <a:rPr lang="fr-FR" b="1" dirty="0">
-                <a:latin typeface="Verdana" panose="020B0604030504040204" pitchFamily="34" charset="0"/>
-                <a:ea typeface="Verdana" panose="020B0604030504040204" pitchFamily="34" charset="0"/>
-                <a:cs typeface="Verdana" panose="020B0604030504040204" pitchFamily="34" charset="0"/>
-              </a:rPr>
-              <a:t>Project </a:t>
-            </a:r>
-            <a:r>
-              <a:rPr lang="fr-FR" dirty="0">
-                <a:latin typeface="Verdana" panose="020B0604030504040204" pitchFamily="34" charset="0"/>
-                <a:ea typeface="Verdana" panose="020B0604030504040204" pitchFamily="34" charset="0"/>
-                <a:cs typeface="Verdana" panose="020B0604030504040204" pitchFamily="34" charset="0"/>
-              </a:rPr>
-              <a:t>– Un </a:t>
-            </a:r>
-            <a:r>
-              <a:rPr lang="fr-FR" dirty="0" err="1">
-                <a:latin typeface="Verdana" panose="020B0604030504040204" pitchFamily="34" charset="0"/>
-                <a:ea typeface="Verdana" panose="020B0604030504040204" pitchFamily="34" charset="0"/>
-                <a:cs typeface="Verdana" panose="020B0604030504040204" pitchFamily="34" charset="0"/>
-              </a:rPr>
-              <a:t>proiect</a:t>
-            </a:r>
-            <a:r>
-              <a:rPr lang="fr-FR" dirty="0">
-                <a:latin typeface="Verdana" panose="020B0604030504040204" pitchFamily="34" charset="0"/>
-                <a:ea typeface="Verdana" panose="020B0604030504040204" pitchFamily="34" charset="0"/>
-                <a:cs typeface="Verdana" panose="020B0604030504040204" pitchFamily="34" charset="0"/>
-              </a:rPr>
-              <a:t> public, </a:t>
-            </a:r>
-            <a:r>
-              <a:rPr lang="fr-FR" dirty="0" err="1">
-                <a:latin typeface="Verdana" panose="020B0604030504040204" pitchFamily="34" charset="0"/>
-                <a:ea typeface="Verdana" panose="020B0604030504040204" pitchFamily="34" charset="0"/>
-                <a:cs typeface="Verdana" panose="020B0604030504040204" pitchFamily="34" charset="0"/>
-              </a:rPr>
-              <a:t>creat</a:t>
-            </a:r>
-            <a:r>
-              <a:rPr lang="fr-FR" dirty="0">
-                <a:latin typeface="Verdana" panose="020B0604030504040204" pitchFamily="34" charset="0"/>
-                <a:ea typeface="Verdana" panose="020B0604030504040204" pitchFamily="34" charset="0"/>
-                <a:cs typeface="Verdana" panose="020B0604030504040204" pitchFamily="34" charset="0"/>
-              </a:rPr>
-              <a:t> de un </a:t>
-            </a:r>
-            <a:r>
-              <a:rPr lang="fr-FR" b="1" dirty="0">
-                <a:latin typeface="Verdana" panose="020B0604030504040204" pitchFamily="34" charset="0"/>
-                <a:ea typeface="Verdana" panose="020B0604030504040204" pitchFamily="34" charset="0"/>
-                <a:cs typeface="Verdana" panose="020B0604030504040204" pitchFamily="34" charset="0"/>
-              </a:rPr>
-              <a:t>user</a:t>
-            </a:r>
-            <a:r>
-              <a:rPr lang="fr-FR" dirty="0">
-                <a:latin typeface="Verdana" panose="020B0604030504040204" pitchFamily="34" charset="0"/>
-                <a:ea typeface="Verdana" panose="020B0604030504040204" pitchFamily="34" charset="0"/>
-                <a:cs typeface="Verdana" panose="020B0604030504040204" pitchFamily="34" charset="0"/>
-              </a:rPr>
-              <a:t>. </a:t>
-            </a:r>
-          </a:p>
-          <a:p>
-            <a:r>
-              <a:rPr lang="ro-RO" b="1" dirty="0">
-                <a:latin typeface="Verdana" panose="020B0604030504040204" pitchFamily="34" charset="0"/>
-                <a:ea typeface="Verdana" panose="020B0604030504040204" pitchFamily="34" charset="0"/>
-                <a:cs typeface="Verdana" panose="020B0604030504040204" pitchFamily="34" charset="0"/>
-              </a:rPr>
-              <a:t>Project Owner </a:t>
-            </a:r>
-            <a:r>
-              <a:rPr lang="ro-RO" dirty="0">
-                <a:latin typeface="Verdana" panose="020B0604030504040204" pitchFamily="34" charset="0"/>
-                <a:ea typeface="Verdana" panose="020B0604030504040204" pitchFamily="34" charset="0"/>
-                <a:cs typeface="Verdana" panose="020B0604030504040204" pitchFamily="34" charset="0"/>
-              </a:rPr>
-              <a:t>– aferent unui </a:t>
-            </a:r>
-            <a:r>
-              <a:rPr lang="ro-RO" b="1" dirty="0">
-                <a:latin typeface="Verdana" panose="020B0604030504040204" pitchFamily="34" charset="0"/>
-                <a:ea typeface="Verdana" panose="020B0604030504040204" pitchFamily="34" charset="0"/>
-                <a:cs typeface="Verdana" panose="020B0604030504040204" pitchFamily="34" charset="0"/>
-              </a:rPr>
-              <a:t>project</a:t>
-            </a:r>
-            <a:r>
-              <a:rPr lang="ro-RO" dirty="0">
-                <a:latin typeface="Verdana" panose="020B0604030504040204" pitchFamily="34" charset="0"/>
-                <a:ea typeface="Verdana" panose="020B0604030504040204" pitchFamily="34" charset="0"/>
-                <a:cs typeface="Verdana" panose="020B0604030504040204" pitchFamily="34" charset="0"/>
-              </a:rPr>
-              <a:t>, reprezintă user-ul ce a creat proiectul, și are drepturi asupra lui. </a:t>
-            </a:r>
-          </a:p>
-          <a:p>
-            <a:r>
-              <a:rPr lang="fr-FR" b="1" dirty="0">
-                <a:latin typeface="Verdana" panose="020B0604030504040204" pitchFamily="34" charset="0"/>
-                <a:ea typeface="Verdana" panose="020B0604030504040204" pitchFamily="34" charset="0"/>
-                <a:cs typeface="Verdana" panose="020B0604030504040204" pitchFamily="34" charset="0"/>
-              </a:rPr>
-              <a:t>Comment </a:t>
-            </a:r>
-            <a:r>
-              <a:rPr lang="fr-FR" dirty="0">
-                <a:latin typeface="Verdana" panose="020B0604030504040204" pitchFamily="34" charset="0"/>
-                <a:ea typeface="Verdana" panose="020B0604030504040204" pitchFamily="34" charset="0"/>
-                <a:cs typeface="Verdana" panose="020B0604030504040204" pitchFamily="34" charset="0"/>
-              </a:rPr>
-              <a:t>– Un </a:t>
-            </a:r>
-            <a:r>
-              <a:rPr lang="fr-FR" dirty="0" err="1">
-                <a:latin typeface="Verdana" panose="020B0604030504040204" pitchFamily="34" charset="0"/>
-                <a:ea typeface="Verdana" panose="020B0604030504040204" pitchFamily="34" charset="0"/>
-                <a:cs typeface="Verdana" panose="020B0604030504040204" pitchFamily="34" charset="0"/>
-              </a:rPr>
-              <a:t>comentariu</a:t>
-            </a:r>
-            <a:r>
-              <a:rPr lang="fr-FR" dirty="0">
-                <a:latin typeface="Verdana" panose="020B0604030504040204" pitchFamily="34" charset="0"/>
-                <a:ea typeface="Verdana" panose="020B0604030504040204" pitchFamily="34" charset="0"/>
-                <a:cs typeface="Verdana" panose="020B0604030504040204" pitchFamily="34" charset="0"/>
-              </a:rPr>
-              <a:t>, </a:t>
-            </a:r>
-            <a:r>
-              <a:rPr lang="fr-FR" dirty="0" err="1">
-                <a:latin typeface="Verdana" panose="020B0604030504040204" pitchFamily="34" charset="0"/>
-                <a:ea typeface="Verdana" panose="020B0604030504040204" pitchFamily="34" charset="0"/>
-                <a:cs typeface="Verdana" panose="020B0604030504040204" pitchFamily="34" charset="0"/>
-              </a:rPr>
-              <a:t>adus</a:t>
-            </a:r>
-            <a:r>
-              <a:rPr lang="fr-FR" dirty="0">
-                <a:latin typeface="Verdana" panose="020B0604030504040204" pitchFamily="34" charset="0"/>
-                <a:ea typeface="Verdana" panose="020B0604030504040204" pitchFamily="34" charset="0"/>
-                <a:cs typeface="Verdana" panose="020B0604030504040204" pitchFamily="34" charset="0"/>
-              </a:rPr>
-              <a:t> de un </a:t>
-            </a:r>
-            <a:r>
-              <a:rPr lang="fr-FR" b="1" dirty="0">
-                <a:latin typeface="Verdana" panose="020B0604030504040204" pitchFamily="34" charset="0"/>
-                <a:ea typeface="Verdana" panose="020B0604030504040204" pitchFamily="34" charset="0"/>
-                <a:cs typeface="Verdana" panose="020B0604030504040204" pitchFamily="34" charset="0"/>
-              </a:rPr>
-              <a:t>user</a:t>
-            </a:r>
-            <a:r>
-              <a:rPr lang="fr-FR" dirty="0">
-                <a:latin typeface="Verdana" panose="020B0604030504040204" pitchFamily="34" charset="0"/>
-                <a:ea typeface="Verdana" panose="020B0604030504040204" pitchFamily="34" charset="0"/>
-                <a:cs typeface="Verdana" panose="020B0604030504040204" pitchFamily="34" charset="0"/>
-              </a:rPr>
-              <a:t>. </a:t>
-            </a:r>
-          </a:p>
-          <a:p>
-            <a:r>
-              <a:rPr lang="ro-RO" b="1" dirty="0">
-                <a:latin typeface="Verdana" panose="020B0604030504040204" pitchFamily="34" charset="0"/>
-                <a:ea typeface="Verdana" panose="020B0604030504040204" pitchFamily="34" charset="0"/>
-                <a:cs typeface="Verdana" panose="020B0604030504040204" pitchFamily="34" charset="0"/>
-              </a:rPr>
-              <a:t>Chat </a:t>
-            </a:r>
-            <a:r>
-              <a:rPr lang="ro-RO" dirty="0">
-                <a:latin typeface="Verdana" panose="020B0604030504040204" pitchFamily="34" charset="0"/>
-                <a:ea typeface="Verdana" panose="020B0604030504040204" pitchFamily="34" charset="0"/>
-                <a:cs typeface="Verdana" panose="020B0604030504040204" pitchFamily="34" charset="0"/>
-              </a:rPr>
-              <a:t>(în contextul unui </a:t>
-            </a:r>
-            <a:r>
-              <a:rPr lang="ro-RO" b="1" dirty="0">
-                <a:latin typeface="Verdana" panose="020B0604030504040204" pitchFamily="34" charset="0"/>
-                <a:ea typeface="Verdana" panose="020B0604030504040204" pitchFamily="34" charset="0"/>
-                <a:cs typeface="Verdana" panose="020B0604030504040204" pitchFamily="34" charset="0"/>
-              </a:rPr>
-              <a:t>project</a:t>
-            </a:r>
-            <a:r>
-              <a:rPr lang="ro-RO" dirty="0">
-                <a:latin typeface="Verdana" panose="020B0604030504040204" pitchFamily="34" charset="0"/>
-                <a:ea typeface="Verdana" panose="020B0604030504040204" pitchFamily="34" charset="0"/>
-                <a:cs typeface="Verdana" panose="020B0604030504040204" pitchFamily="34" charset="0"/>
-              </a:rPr>
-              <a:t>) – O colecție de </a:t>
-            </a:r>
-            <a:r>
-              <a:rPr lang="ro-RO" b="1" dirty="0">
-                <a:latin typeface="Verdana" panose="020B0604030504040204" pitchFamily="34" charset="0"/>
-                <a:ea typeface="Verdana" panose="020B0604030504040204" pitchFamily="34" charset="0"/>
-                <a:cs typeface="Verdana" panose="020B0604030504040204" pitchFamily="34" charset="0"/>
-              </a:rPr>
-              <a:t>comments </a:t>
-            </a:r>
-            <a:r>
-              <a:rPr lang="ro-RO" dirty="0">
-                <a:latin typeface="Verdana" panose="020B0604030504040204" pitchFamily="34" charset="0"/>
-                <a:ea typeface="Verdana" panose="020B0604030504040204" pitchFamily="34" charset="0"/>
-                <a:cs typeface="Verdana" panose="020B0604030504040204" pitchFamily="34" charset="0"/>
-              </a:rPr>
-              <a:t>aferente unui </a:t>
-            </a:r>
-            <a:r>
-              <a:rPr lang="ro-RO" b="1" dirty="0">
-                <a:latin typeface="Verdana" panose="020B0604030504040204" pitchFamily="34" charset="0"/>
-                <a:ea typeface="Verdana" panose="020B0604030504040204" pitchFamily="34" charset="0"/>
-                <a:cs typeface="Verdana" panose="020B0604030504040204" pitchFamily="34" charset="0"/>
-              </a:rPr>
-              <a:t>project</a:t>
-            </a:r>
-            <a:r>
-              <a:rPr lang="ro-RO" dirty="0">
-                <a:latin typeface="Verdana" panose="020B0604030504040204" pitchFamily="34" charset="0"/>
-                <a:ea typeface="Verdana" panose="020B0604030504040204" pitchFamily="34" charset="0"/>
-                <a:cs typeface="Verdana" panose="020B0604030504040204" pitchFamily="34" charset="0"/>
-              </a:rPr>
-              <a:t>, vizibile oricărui </a:t>
-            </a:r>
-            <a:r>
-              <a:rPr lang="ro-RO" b="1" dirty="0">
-                <a:latin typeface="Verdana" panose="020B0604030504040204" pitchFamily="34" charset="0"/>
-                <a:ea typeface="Verdana" panose="020B0604030504040204" pitchFamily="34" charset="0"/>
-                <a:cs typeface="Verdana" panose="020B0604030504040204" pitchFamily="34" charset="0"/>
-              </a:rPr>
-              <a:t>user</a:t>
-            </a:r>
-            <a:r>
-              <a:rPr lang="ro-RO" dirty="0">
-                <a:latin typeface="Verdana" panose="020B0604030504040204" pitchFamily="34" charset="0"/>
-                <a:ea typeface="Verdana" panose="020B0604030504040204" pitchFamily="34" charset="0"/>
-                <a:cs typeface="Verdana" panose="020B0604030504040204" pitchFamily="34" charset="0"/>
-              </a:rPr>
-              <a:t>. </a:t>
-            </a:r>
-          </a:p>
-          <a:p>
-            <a:r>
-              <a:rPr lang="ro-RO" b="1" dirty="0">
-                <a:latin typeface="Verdana" panose="020B0604030504040204" pitchFamily="34" charset="0"/>
-                <a:ea typeface="Verdana" panose="020B0604030504040204" pitchFamily="34" charset="0"/>
-                <a:cs typeface="Verdana" panose="020B0604030504040204" pitchFamily="34" charset="0"/>
-              </a:rPr>
-              <a:t>Team </a:t>
-            </a:r>
-            <a:r>
-              <a:rPr lang="ro-RO" dirty="0">
-                <a:latin typeface="Verdana" panose="020B0604030504040204" pitchFamily="34" charset="0"/>
-                <a:ea typeface="Verdana" panose="020B0604030504040204" pitchFamily="34" charset="0"/>
-                <a:cs typeface="Verdana" panose="020B0604030504040204" pitchFamily="34" charset="0"/>
-              </a:rPr>
-              <a:t>- Un grup de </a:t>
-            </a:r>
-            <a:r>
-              <a:rPr lang="ro-RO" b="1" dirty="0">
-                <a:latin typeface="Verdana" panose="020B0604030504040204" pitchFamily="34" charset="0"/>
-                <a:ea typeface="Verdana" panose="020B0604030504040204" pitchFamily="34" charset="0"/>
-                <a:cs typeface="Verdana" panose="020B0604030504040204" pitchFamily="34" charset="0"/>
-              </a:rPr>
-              <a:t>users </a:t>
-            </a:r>
-            <a:r>
-              <a:rPr lang="ro-RO" dirty="0">
-                <a:latin typeface="Verdana" panose="020B0604030504040204" pitchFamily="34" charset="0"/>
-                <a:ea typeface="Verdana" panose="020B0604030504040204" pitchFamily="34" charset="0"/>
-                <a:cs typeface="Verdana" panose="020B0604030504040204" pitchFamily="34" charset="0"/>
-              </a:rPr>
-              <a:t>aferent unui </a:t>
-            </a:r>
-            <a:r>
-              <a:rPr lang="ro-RO" b="1" dirty="0">
-                <a:latin typeface="Verdana" panose="020B0604030504040204" pitchFamily="34" charset="0"/>
-                <a:ea typeface="Verdana" panose="020B0604030504040204" pitchFamily="34" charset="0"/>
-                <a:cs typeface="Verdana" panose="020B0604030504040204" pitchFamily="34" charset="0"/>
-              </a:rPr>
-              <a:t>project</a:t>
-            </a:r>
-            <a:r>
-              <a:rPr lang="ro-RO" dirty="0">
-                <a:latin typeface="Verdana" panose="020B0604030504040204" pitchFamily="34" charset="0"/>
-                <a:ea typeface="Verdana" panose="020B0604030504040204" pitchFamily="34" charset="0"/>
-                <a:cs typeface="Verdana" panose="020B0604030504040204" pitchFamily="34" charset="0"/>
-              </a:rPr>
-              <a:t>, ce reprezintă echipa ce contribuie la realizarea </a:t>
-            </a:r>
-            <a:r>
-              <a:rPr lang="ro-RO" b="1" dirty="0">
-                <a:latin typeface="Verdana" panose="020B0604030504040204" pitchFamily="34" charset="0"/>
-                <a:ea typeface="Verdana" panose="020B0604030504040204" pitchFamily="34" charset="0"/>
-                <a:cs typeface="Verdana" panose="020B0604030504040204" pitchFamily="34" charset="0"/>
-              </a:rPr>
-              <a:t>project</a:t>
-            </a:r>
-            <a:r>
-              <a:rPr lang="ro-RO" dirty="0">
-                <a:latin typeface="Verdana" panose="020B0604030504040204" pitchFamily="34" charset="0"/>
-                <a:ea typeface="Verdana" panose="020B0604030504040204" pitchFamily="34" charset="0"/>
-                <a:cs typeface="Verdana" panose="020B0604030504040204" pitchFamily="34" charset="0"/>
-              </a:rPr>
-              <a:t>-ului. </a:t>
-            </a:r>
-          </a:p>
-          <a:p>
-            <a:r>
-              <a:rPr lang="ro-RO" b="1" dirty="0">
-                <a:latin typeface="Verdana" panose="020B0604030504040204" pitchFamily="34" charset="0"/>
-                <a:ea typeface="Verdana" panose="020B0604030504040204" pitchFamily="34" charset="0"/>
-                <a:cs typeface="Verdana" panose="020B0604030504040204" pitchFamily="34" charset="0"/>
-              </a:rPr>
-              <a:t>Chat </a:t>
-            </a:r>
-            <a:r>
-              <a:rPr lang="ro-RO" dirty="0">
-                <a:latin typeface="Verdana" panose="020B0604030504040204" pitchFamily="34" charset="0"/>
-                <a:ea typeface="Verdana" panose="020B0604030504040204" pitchFamily="34" charset="0"/>
-                <a:cs typeface="Verdana" panose="020B0604030504040204" pitchFamily="34" charset="0"/>
-              </a:rPr>
-              <a:t>(în contextul unui </a:t>
-            </a:r>
-            <a:r>
-              <a:rPr lang="ro-RO" b="1" dirty="0">
-                <a:latin typeface="Verdana" panose="020B0604030504040204" pitchFamily="34" charset="0"/>
-                <a:ea typeface="Verdana" panose="020B0604030504040204" pitchFamily="34" charset="0"/>
-                <a:cs typeface="Verdana" panose="020B0604030504040204" pitchFamily="34" charset="0"/>
-              </a:rPr>
-              <a:t>team</a:t>
-            </a:r>
-            <a:r>
-              <a:rPr lang="ro-RO" dirty="0">
-                <a:latin typeface="Verdana" panose="020B0604030504040204" pitchFamily="34" charset="0"/>
-                <a:ea typeface="Verdana" panose="020B0604030504040204" pitchFamily="34" charset="0"/>
-                <a:cs typeface="Verdana" panose="020B0604030504040204" pitchFamily="34" charset="0"/>
-              </a:rPr>
-              <a:t>) – O colecție de </a:t>
-            </a:r>
-            <a:r>
-              <a:rPr lang="ro-RO" b="1" dirty="0">
-                <a:latin typeface="Verdana" panose="020B0604030504040204" pitchFamily="34" charset="0"/>
-                <a:ea typeface="Verdana" panose="020B0604030504040204" pitchFamily="34" charset="0"/>
-                <a:cs typeface="Verdana" panose="020B0604030504040204" pitchFamily="34" charset="0"/>
-              </a:rPr>
-              <a:t>comments </a:t>
-            </a:r>
-            <a:r>
-              <a:rPr lang="ro-RO" dirty="0">
-                <a:latin typeface="Verdana" panose="020B0604030504040204" pitchFamily="34" charset="0"/>
-                <a:ea typeface="Verdana" panose="020B0604030504040204" pitchFamily="34" charset="0"/>
-                <a:cs typeface="Verdana" panose="020B0604030504040204" pitchFamily="34" charset="0"/>
-              </a:rPr>
-              <a:t>aferente unui </a:t>
-            </a:r>
-            <a:r>
-              <a:rPr lang="ro-RO" b="1" dirty="0">
-                <a:latin typeface="Verdana" panose="020B0604030504040204" pitchFamily="34" charset="0"/>
-                <a:ea typeface="Verdana" panose="020B0604030504040204" pitchFamily="34" charset="0"/>
-                <a:cs typeface="Verdana" panose="020B0604030504040204" pitchFamily="34" charset="0"/>
-              </a:rPr>
-              <a:t>team</a:t>
-            </a:r>
-            <a:r>
-              <a:rPr lang="ro-RO" dirty="0">
-                <a:latin typeface="Verdana" panose="020B0604030504040204" pitchFamily="34" charset="0"/>
-                <a:ea typeface="Verdana" panose="020B0604030504040204" pitchFamily="34" charset="0"/>
-                <a:cs typeface="Verdana" panose="020B0604030504040204" pitchFamily="34" charset="0"/>
-              </a:rPr>
-              <a:t>, vizibile oricărui </a:t>
-            </a:r>
-            <a:r>
-              <a:rPr lang="ro-RO" b="1" dirty="0">
-                <a:latin typeface="Verdana" panose="020B0604030504040204" pitchFamily="34" charset="0"/>
-                <a:ea typeface="Verdana" panose="020B0604030504040204" pitchFamily="34" charset="0"/>
-                <a:cs typeface="Verdana" panose="020B0604030504040204" pitchFamily="34" charset="0"/>
-              </a:rPr>
-              <a:t>user </a:t>
-            </a:r>
-            <a:r>
-              <a:rPr lang="ro-RO" dirty="0">
-                <a:latin typeface="Verdana" panose="020B0604030504040204" pitchFamily="34" charset="0"/>
-                <a:ea typeface="Verdana" panose="020B0604030504040204" pitchFamily="34" charset="0"/>
-                <a:cs typeface="Verdana" panose="020B0604030504040204" pitchFamily="34" charset="0"/>
-              </a:rPr>
-              <a:t>ce aderă la acel </a:t>
-            </a:r>
-            <a:r>
-              <a:rPr lang="ro-RO" b="1" dirty="0">
-                <a:latin typeface="Verdana" panose="020B0604030504040204" pitchFamily="34" charset="0"/>
-                <a:ea typeface="Verdana" panose="020B0604030504040204" pitchFamily="34" charset="0"/>
-                <a:cs typeface="Verdana" panose="020B0604030504040204" pitchFamily="34" charset="0"/>
-              </a:rPr>
-              <a:t>team</a:t>
-            </a:r>
-            <a:r>
-              <a:rPr lang="ro-RO" dirty="0">
-                <a:latin typeface="Verdana" panose="020B0604030504040204" pitchFamily="34" charset="0"/>
-                <a:ea typeface="Verdana" panose="020B0604030504040204" pitchFamily="34" charset="0"/>
-                <a:cs typeface="Verdana" panose="020B0604030504040204" pitchFamily="34" charset="0"/>
-              </a:rPr>
-              <a:t>. </a:t>
-            </a:r>
-          </a:p>
-          <a:p>
+          <a:bodyPr/>
+          <a:lstStyle/>
+          <a:p>
+            <a:r>
+              <a:rPr lang="en-US" dirty="0" err="1"/>
+              <a:t>Venture.Gateway</a:t>
+            </a:r>
+            <a:endParaRPr lang="en-US" dirty="0"/>
+          </a:p>
+          <a:p>
+            <a:r>
+              <a:rPr lang="en-US" dirty="0" err="1"/>
+              <a:t>Venture.Users</a:t>
+            </a:r>
+            <a:endParaRPr lang="en-US" dirty="0"/>
+          </a:p>
+          <a:p>
+            <a:r>
+              <a:rPr lang="en-US" dirty="0" err="1"/>
+              <a:t>Venture.ProjectWrite</a:t>
+            </a:r>
+            <a:r>
+              <a:rPr lang="en-US" dirty="0"/>
+              <a:t> – </a:t>
+            </a:r>
+            <a:r>
+              <a:rPr lang="en-US" dirty="0" err="1"/>
+              <a:t>Venture.ProjectRead</a:t>
+            </a:r>
+            <a:endParaRPr lang="en-US" dirty="0"/>
+          </a:p>
+          <a:p>
+            <a:r>
+              <a:rPr lang="en-US" dirty="0" err="1"/>
+              <a:t>Venture.TeamWrite</a:t>
+            </a:r>
+            <a:r>
+              <a:rPr lang="en-US" dirty="0"/>
+              <a:t> – </a:t>
+            </a:r>
+            <a:r>
+              <a:rPr lang="en-US" dirty="0" err="1"/>
+              <a:t>Venture.TeamRead</a:t>
+            </a:r>
             <a:endParaRPr lang="ro-RO" dirty="0"/>
           </a:p>
         </p:txBody>
@@ -6116,7 +6328,7 @@
     </p:spTree>
     <p:extLst>
       <p:ext uri="{BB962C8B-B14F-4D97-AF65-F5344CB8AC3E}">
-        <p14:creationId xmlns:p14="http://schemas.microsoft.com/office/powerpoint/2010/main" val="813478585"/>
+        <p14:creationId xmlns:p14="http://schemas.microsoft.com/office/powerpoint/2010/main" val="431242061"/>
       </p:ext>
     </p:extLst>
   </p:cSld>
@@ -6173,169 +6385,48 @@
               <a:t> - </a:t>
             </a:r>
             <a:r>
-              <a:rPr lang="ro-RO" dirty="0"/>
-              <a:t>domeniul</a:t>
-            </a:r>
-          </a:p>
-        </p:txBody>
-      </p:sp>
-      <p:sp>
-        <p:nvSpPr>
-          <p:cNvPr id="3" name="Content Placeholder 2">
+              <a:rPr lang="en-US" dirty="0" err="1"/>
+              <a:t>arhitectura</a:t>
+            </a:r>
+            <a:endParaRPr lang="ro-RO" dirty="0"/>
+          </a:p>
+        </p:txBody>
+      </p:sp>
+      <p:pic>
+        <p:nvPicPr>
+          <p:cNvPr id="6" name="Content Placeholder 5">
             <a:extLst>
               <a:ext uri="{FF2B5EF4-FFF2-40B4-BE49-F238E27FC236}">
-                <a16:creationId xmlns:a16="http://schemas.microsoft.com/office/drawing/2014/main" id="{3A9BDE9B-E437-4FF0-8BAA-5D0C0EE7372D}"/>
+                <a16:creationId xmlns:a16="http://schemas.microsoft.com/office/drawing/2014/main" id="{96302C63-47BD-440F-B995-17C15F417BB4}"/>
               </a:ext>
             </a:extLst>
           </p:cNvPr>
-          <p:cNvSpPr>
-            <a:spLocks noGrp="1"/>
-          </p:cNvSpPr>
+          <p:cNvPicPr>
+            <a:picLocks noGrp="1" noChangeAspect="1"/>
+          </p:cNvPicPr>
           <p:nvPr>
             <p:ph idx="1"/>
           </p:nvPr>
-        </p:nvSpPr>
-        <p:spPr/>
-        <p:txBody>
-          <a:bodyPr>
-            <a:normAutofit/>
-          </a:bodyPr>
-          <a:lstStyle/>
-          <a:p>
-            <a:r>
-              <a:rPr lang="ro-RO" b="1" dirty="0"/>
-              <a:t>User </a:t>
-            </a:r>
-            <a:r>
-              <a:rPr lang="ro-RO" dirty="0"/>
-              <a:t>– Un utilizator al aplicației. </a:t>
-            </a:r>
-          </a:p>
-          <a:p>
-            <a:r>
-              <a:rPr lang="fr-FR" b="1" dirty="0"/>
-              <a:t>Project </a:t>
-            </a:r>
-            <a:r>
-              <a:rPr lang="fr-FR" dirty="0"/>
-              <a:t>– Un </a:t>
-            </a:r>
-            <a:r>
-              <a:rPr lang="fr-FR" dirty="0" err="1"/>
-              <a:t>proiect</a:t>
-            </a:r>
-            <a:r>
-              <a:rPr lang="fr-FR" dirty="0"/>
-              <a:t> public, </a:t>
-            </a:r>
-            <a:r>
-              <a:rPr lang="fr-FR" dirty="0" err="1"/>
-              <a:t>creat</a:t>
-            </a:r>
-            <a:r>
-              <a:rPr lang="fr-FR" dirty="0"/>
-              <a:t> de un </a:t>
-            </a:r>
-            <a:r>
-              <a:rPr lang="fr-FR" b="1" dirty="0"/>
-              <a:t>user</a:t>
-            </a:r>
-            <a:r>
-              <a:rPr lang="fr-FR" dirty="0"/>
-              <a:t>. </a:t>
-            </a:r>
-          </a:p>
-          <a:p>
-            <a:r>
-              <a:rPr lang="ro-RO" b="1" dirty="0"/>
-              <a:t>Project Owner </a:t>
-            </a:r>
-            <a:r>
-              <a:rPr lang="ro-RO" dirty="0"/>
-              <a:t>– aferent unui </a:t>
-            </a:r>
-            <a:r>
-              <a:rPr lang="ro-RO" b="1" dirty="0"/>
-              <a:t>project</a:t>
-            </a:r>
-            <a:r>
-              <a:rPr lang="ro-RO" dirty="0"/>
-              <a:t>, reprezintă user-ul ce a creat proiectul, și are drepturi asupra lui. </a:t>
-            </a:r>
-          </a:p>
-          <a:p>
-            <a:r>
-              <a:rPr lang="fr-FR" b="1" dirty="0"/>
-              <a:t>Comment </a:t>
-            </a:r>
-            <a:r>
-              <a:rPr lang="fr-FR" dirty="0"/>
-              <a:t>– Un </a:t>
-            </a:r>
-            <a:r>
-              <a:rPr lang="fr-FR" dirty="0" err="1"/>
-              <a:t>comentariu</a:t>
-            </a:r>
-            <a:r>
-              <a:rPr lang="fr-FR" dirty="0"/>
-              <a:t>, </a:t>
-            </a:r>
-            <a:r>
-              <a:rPr lang="fr-FR" dirty="0" err="1"/>
-              <a:t>adus</a:t>
-            </a:r>
-            <a:r>
-              <a:rPr lang="fr-FR" dirty="0"/>
-              <a:t> de un </a:t>
-            </a:r>
-            <a:r>
-              <a:rPr lang="fr-FR" b="1" dirty="0"/>
-              <a:t>user</a:t>
-            </a:r>
-            <a:r>
-              <a:rPr lang="fr-FR" dirty="0"/>
-              <a:t>. </a:t>
-            </a:r>
-          </a:p>
-          <a:p>
-            <a:r>
-              <a:rPr lang="ro-RO" b="1" dirty="0"/>
-              <a:t>Chat </a:t>
-            </a:r>
-            <a:r>
-              <a:rPr lang="ro-RO" dirty="0"/>
-              <a:t>– O colecție de </a:t>
-            </a:r>
-            <a:r>
-              <a:rPr lang="ro-RO" b="1" dirty="0"/>
-              <a:t>comments </a:t>
-            </a:r>
-            <a:r>
-              <a:rPr lang="ro-RO" dirty="0"/>
-              <a:t>aferente unui </a:t>
-            </a:r>
-            <a:r>
-              <a:rPr lang="ro-RO" b="1" dirty="0"/>
-              <a:t>project</a:t>
-            </a:r>
-            <a:r>
-              <a:rPr lang="ro-RO" dirty="0"/>
-              <a:t>, vizibile oricărui </a:t>
-            </a:r>
-            <a:r>
-              <a:rPr lang="ro-RO" b="1" dirty="0"/>
-              <a:t>user</a:t>
-            </a:r>
-            <a:r>
-              <a:rPr lang="ro-RO" dirty="0"/>
-              <a:t>. </a:t>
-            </a:r>
-          </a:p>
-          <a:p>
-            <a:endParaRPr lang="ro-RO" dirty="0"/>
-          </a:p>
-        </p:txBody>
-      </p:sp>
+        </p:nvPicPr>
+        <p:blipFill>
+          <a:blip r:embed="rId3">
+            <a:extLst>
+              <a:ext uri="{28A0092B-C50C-407E-A947-70E740481C1C}">
+                <a14:useLocalDpi xmlns:a14="http://schemas.microsoft.com/office/drawing/2010/main" val="0"/>
+              </a:ext>
+            </a:extLst>
+          </a:blip>
+          <a:stretch>
+            <a:fillRect/>
+          </a:stretch>
+        </p:blipFill>
+        <p:spPr>
+          <a:xfrm>
+            <a:off x="415514" y="1690688"/>
+            <a:ext cx="11360971" cy="4027362"/>
+          </a:xfrm>
+        </p:spPr>
+      </p:pic>
       <p:sp>
         <p:nvSpPr>
           <p:cNvPr id="4" name="Slide Number Placeholder 3">
@@ -6368,7 +6459,257 @@
     </p:spTree>
     <p:extLst>
       <p:ext uri="{BB962C8B-B14F-4D97-AF65-F5344CB8AC3E}">
-        <p14:creationId xmlns:p14="http://schemas.microsoft.com/office/powerpoint/2010/main" val="2988487200"/>
+        <p14:creationId xmlns:p14="http://schemas.microsoft.com/office/powerpoint/2010/main" val="2782165203"/>
+      </p:ext>
+    </p:extLst>
+  </p:cSld>
+  <p:clrMapOvr>
+    <a:masterClrMapping/>
+  </p:clrMapOvr>
+</p:sld>
+</file>
+
+<file path=ppt/slides/slide18.xml><?xml version="1.0" encoding="utf-8"?>
+<p:sld xmlns:a="http://schemas.openxmlformats.org/drawingml/2006/main" xmlns:r="http://schemas.openxmlformats.org/officeDocument/2006/relationships" xmlns:p="http://schemas.openxmlformats.org/presentationml/2006/main">
+  <p:cSld>
+    <p:spTree>
+      <p:nvGrpSpPr>
+        <p:cNvPr id="1" name=""/>
+        <p:cNvGrpSpPr/>
+        <p:nvPr/>
+      </p:nvGrpSpPr>
+      <p:grpSpPr>
+        <a:xfrm>
+          <a:off x="0" y="0"/>
+          <a:ext cx="0" cy="0"/>
+          <a:chOff x="0" y="0"/>
+          <a:chExt cx="0" cy="0"/>
+        </a:xfrm>
+      </p:grpSpPr>
+      <p:sp>
+        <p:nvSpPr>
+          <p:cNvPr id="2" name="Title 1">
+            <a:extLst>
+              <a:ext uri="{FF2B5EF4-FFF2-40B4-BE49-F238E27FC236}">
+                <a16:creationId xmlns:a16="http://schemas.microsoft.com/office/drawing/2014/main" id="{302A3265-5B27-446E-9702-525E05C288A0}"/>
+              </a:ext>
+            </a:extLst>
+          </p:cNvPr>
+          <p:cNvSpPr>
+            <a:spLocks noGrp="1"/>
+          </p:cNvSpPr>
+          <p:nvPr>
+            <p:ph type="title"/>
+          </p:nvPr>
+        </p:nvSpPr>
+        <p:spPr/>
+        <p:txBody>
+          <a:bodyPr/>
+          <a:lstStyle/>
+          <a:p>
+            <a:r>
+              <a:rPr lang="en-US" dirty="0"/>
+              <a:t> </a:t>
+            </a:r>
+            <a:endParaRPr lang="ro-RO" dirty="0"/>
+          </a:p>
+        </p:txBody>
+      </p:sp>
+      <p:sp>
+        <p:nvSpPr>
+          <p:cNvPr id="4" name="Slide Number Placeholder 3">
+            <a:extLst>
+              <a:ext uri="{FF2B5EF4-FFF2-40B4-BE49-F238E27FC236}">
+                <a16:creationId xmlns:a16="http://schemas.microsoft.com/office/drawing/2014/main" id="{7A9AE2FD-6508-4047-8537-FE5C6832B24A}"/>
+              </a:ext>
+            </a:extLst>
+          </p:cNvPr>
+          <p:cNvSpPr>
+            <a:spLocks noGrp="1"/>
+          </p:cNvSpPr>
+          <p:nvPr>
+            <p:ph type="sldNum" sz="quarter" idx="12"/>
+          </p:nvPr>
+        </p:nvSpPr>
+        <p:spPr/>
+        <p:txBody>
+          <a:bodyPr/>
+          <a:lstStyle/>
+          <a:p>
+            <a:fld id="{AEDBE7ED-98A7-4203-AC3B-6A83079B17A2}" type="slidenum">
+              <a:rPr lang="ro-RO" smtClean="0"/>
+              <a:t>18</a:t>
+            </a:fld>
+            <a:endParaRPr lang="ro-RO"/>
+          </a:p>
+        </p:txBody>
+      </p:sp>
+      <p:pic>
+        <p:nvPicPr>
+          <p:cNvPr id="12" name="Content Placeholder 11">
+            <a:extLst>
+              <a:ext uri="{FF2B5EF4-FFF2-40B4-BE49-F238E27FC236}">
+                <a16:creationId xmlns:a16="http://schemas.microsoft.com/office/drawing/2014/main" id="{8831FE4D-C292-41FB-87B2-5E2E205BFB77}"/>
+              </a:ext>
+            </a:extLst>
+          </p:cNvPr>
+          <p:cNvPicPr>
+            <a:picLocks noGrp="1" noChangeAspect="1"/>
+          </p:cNvPicPr>
+          <p:nvPr>
+            <p:ph idx="1"/>
+          </p:nvPr>
+        </p:nvPicPr>
+        <p:blipFill>
+          <a:blip r:embed="rId3">
+            <a:extLst>
+              <a:ext uri="{28A0092B-C50C-407E-A947-70E740481C1C}">
+                <a14:useLocalDpi xmlns:a14="http://schemas.microsoft.com/office/drawing/2010/main" val="0"/>
+              </a:ext>
+            </a:extLst>
+          </a:blip>
+          <a:stretch>
+            <a:fillRect/>
+          </a:stretch>
+        </p:blipFill>
+        <p:spPr>
+          <a:xfrm>
+            <a:off x="1528010" y="0"/>
+            <a:ext cx="9135979" cy="6397185"/>
+          </a:xfrm>
+        </p:spPr>
+      </p:pic>
+    </p:spTree>
+    <p:extLst>
+      <p:ext uri="{BB962C8B-B14F-4D97-AF65-F5344CB8AC3E}">
+        <p14:creationId xmlns:p14="http://schemas.microsoft.com/office/powerpoint/2010/main" val="2339831023"/>
+      </p:ext>
+    </p:extLst>
+  </p:cSld>
+  <p:clrMapOvr>
+    <a:masterClrMapping/>
+  </p:clrMapOvr>
+</p:sld>
+</file>
+
+<file path=ppt/slides/slide19.xml><?xml version="1.0" encoding="utf-8"?>
+<p:sld xmlns:a="http://schemas.openxmlformats.org/drawingml/2006/main" xmlns:r="http://schemas.openxmlformats.org/officeDocument/2006/relationships" xmlns:p="http://schemas.openxmlformats.org/presentationml/2006/main">
+  <p:cSld>
+    <p:spTree>
+      <p:nvGrpSpPr>
+        <p:cNvPr id="1" name=""/>
+        <p:cNvGrpSpPr/>
+        <p:nvPr/>
+      </p:nvGrpSpPr>
+      <p:grpSpPr>
+        <a:xfrm>
+          <a:off x="0" y="0"/>
+          <a:ext cx="0" cy="0"/>
+          <a:chOff x="0" y="0"/>
+          <a:chExt cx="0" cy="0"/>
+        </a:xfrm>
+      </p:grpSpPr>
+      <p:sp>
+        <p:nvSpPr>
+          <p:cNvPr id="2" name="Title 1">
+            <a:extLst>
+              <a:ext uri="{FF2B5EF4-FFF2-40B4-BE49-F238E27FC236}">
+                <a16:creationId xmlns:a16="http://schemas.microsoft.com/office/drawing/2014/main" id="{47E7702F-9109-4716-95F7-D20DBC0D31D7}"/>
+              </a:ext>
+            </a:extLst>
+          </p:cNvPr>
+          <p:cNvSpPr>
+            <a:spLocks noGrp="1"/>
+          </p:cNvSpPr>
+          <p:nvPr>
+            <p:ph type="title"/>
+          </p:nvPr>
+        </p:nvSpPr>
+        <p:spPr/>
+        <p:txBody>
+          <a:bodyPr/>
+          <a:lstStyle/>
+          <a:p>
+            <a:r>
+              <a:rPr lang="en-US" dirty="0" err="1"/>
+              <a:t>Teorema</a:t>
+            </a:r>
+            <a:r>
+              <a:rPr lang="en-US" dirty="0"/>
+              <a:t> CAP</a:t>
+            </a:r>
+            <a:endParaRPr lang="ro-RO" dirty="0"/>
+          </a:p>
+        </p:txBody>
+      </p:sp>
+      <p:pic>
+        <p:nvPicPr>
+          <p:cNvPr id="6" name="Content Placeholder 5">
+            <a:extLst>
+              <a:ext uri="{FF2B5EF4-FFF2-40B4-BE49-F238E27FC236}">
+                <a16:creationId xmlns:a16="http://schemas.microsoft.com/office/drawing/2014/main" id="{F7417CFD-4D24-41CC-9DA9-FEE817DA3CBC}"/>
+              </a:ext>
+            </a:extLst>
+          </p:cNvPr>
+          <p:cNvPicPr>
+            <a:picLocks noGrp="1" noChangeAspect="1"/>
+          </p:cNvPicPr>
+          <p:nvPr>
+            <p:ph idx="1"/>
+          </p:nvPr>
+        </p:nvPicPr>
+        <p:blipFill>
+          <a:blip r:embed="rId3">
+            <a:extLst>
+              <a:ext uri="{28A0092B-C50C-407E-A947-70E740481C1C}">
+                <a14:useLocalDpi xmlns:a14="http://schemas.microsoft.com/office/drawing/2010/main" val="0"/>
+              </a:ext>
+            </a:extLst>
+          </a:blip>
+          <a:stretch>
+            <a:fillRect/>
+          </a:stretch>
+        </p:blipFill>
+        <p:spPr>
+          <a:xfrm>
+            <a:off x="838200" y="1547783"/>
+            <a:ext cx="7466299" cy="4524577"/>
+          </a:xfrm>
+        </p:spPr>
+      </p:pic>
+      <p:sp>
+        <p:nvSpPr>
+          <p:cNvPr id="4" name="Slide Number Placeholder 3">
+            <a:extLst>
+              <a:ext uri="{FF2B5EF4-FFF2-40B4-BE49-F238E27FC236}">
+                <a16:creationId xmlns:a16="http://schemas.microsoft.com/office/drawing/2014/main" id="{04814C92-CD1C-42EB-9D7A-5ED1DC7F0A49}"/>
+              </a:ext>
+            </a:extLst>
+          </p:cNvPr>
+          <p:cNvSpPr>
+            <a:spLocks noGrp="1"/>
+          </p:cNvSpPr>
+          <p:nvPr>
+            <p:ph type="sldNum" sz="quarter" idx="12"/>
+          </p:nvPr>
+        </p:nvSpPr>
+        <p:spPr/>
+        <p:txBody>
+          <a:bodyPr/>
+          <a:lstStyle/>
+          <a:p>
+            <a:fld id="{AEDBE7ED-98A7-4203-AC3B-6A83079B17A2}" type="slidenum">
+              <a:rPr lang="ro-RO" smtClean="0"/>
+              <a:t>19</a:t>
+            </a:fld>
+            <a:endParaRPr lang="ro-RO"/>
+          </a:p>
+        </p:txBody>
+      </p:sp>
+    </p:spTree>
+    <p:extLst>
+      <p:ext uri="{BB962C8B-B14F-4D97-AF65-F5344CB8AC3E}">
+        <p14:creationId xmlns:p14="http://schemas.microsoft.com/office/powerpoint/2010/main" val="3596501951"/>
       </p:ext>
     </p:extLst>
   </p:cSld>
@@ -6444,7 +6785,45 @@
           <a:bodyPr/>
           <a:lstStyle/>
           <a:p>
-            <a:endParaRPr lang="ro-RO"/>
+            <a:r>
+              <a:rPr lang="ro-RO" dirty="0"/>
+              <a:t>Ce este un microserviciu?</a:t>
+            </a:r>
+          </a:p>
+          <a:p>
+            <a:r>
+              <a:rPr lang="ro-RO" dirty="0"/>
+              <a:t>De ce </a:t>
+            </a:r>
+            <a:r>
+              <a:rPr lang="ro-RO"/>
+              <a:t>microservicii?</a:t>
+            </a:r>
+            <a:endParaRPr lang="ro-RO" dirty="0"/>
+          </a:p>
+          <a:p>
+            <a:r>
+              <a:rPr lang="ro-RO" dirty="0"/>
+              <a:t>Arhitectura aplicației „Venture”</a:t>
+            </a:r>
+          </a:p>
+          <a:p>
+            <a:r>
+              <a:rPr lang="ro-RO" dirty="0"/>
+              <a:t>Teorema CAP</a:t>
+            </a:r>
+          </a:p>
+          <a:p>
+            <a:r>
+              <a:rPr lang="ro-RO" dirty="0"/>
+              <a:t>Concluzii</a:t>
+            </a:r>
+          </a:p>
+          <a:p>
+            <a:endParaRPr lang="ro-RO" dirty="0"/>
+          </a:p>
+          <a:p>
+            <a:endParaRPr lang="ro-RO" dirty="0"/>
           </a:p>
         </p:txBody>
       </p:sp>
@@ -6481,6 +6860,276 @@
     <p:extLst>
       <p:ext uri="{BB962C8B-B14F-4D97-AF65-F5344CB8AC3E}">
         <p14:creationId xmlns:p14="http://schemas.microsoft.com/office/powerpoint/2010/main" val="3116153096"/>
+      </p:ext>
+    </p:extLst>
+  </p:cSld>
+  <p:clrMapOvr>
+    <a:masterClrMapping/>
+  </p:clrMapOvr>
+</p:sld>
+</file>
+
+<file path=ppt/slides/slide20.xml><?xml version="1.0" encoding="utf-8"?>
+<p:sld xmlns:a="http://schemas.openxmlformats.org/drawingml/2006/main" xmlns:r="http://schemas.openxmlformats.org/officeDocument/2006/relationships" xmlns:p="http://schemas.openxmlformats.org/presentationml/2006/main">
+  <p:cSld>
+    <p:spTree>
+      <p:nvGrpSpPr>
+        <p:cNvPr id="1" name=""/>
+        <p:cNvGrpSpPr/>
+        <p:nvPr/>
+      </p:nvGrpSpPr>
+      <p:grpSpPr>
+        <a:xfrm>
+          <a:off x="0" y="0"/>
+          <a:ext cx="0" cy="0"/>
+          <a:chOff x="0" y="0"/>
+          <a:chExt cx="0" cy="0"/>
+        </a:xfrm>
+      </p:grpSpPr>
+      <p:sp>
+        <p:nvSpPr>
+          <p:cNvPr id="2" name="Title 1">
+            <a:extLst>
+              <a:ext uri="{FF2B5EF4-FFF2-40B4-BE49-F238E27FC236}">
+                <a16:creationId xmlns:a16="http://schemas.microsoft.com/office/drawing/2014/main" id="{47E7702F-9109-4716-95F7-D20DBC0D31D7}"/>
+              </a:ext>
+            </a:extLst>
+          </p:cNvPr>
+          <p:cNvSpPr>
+            <a:spLocks noGrp="1"/>
+          </p:cNvSpPr>
+          <p:nvPr>
+            <p:ph type="title"/>
+          </p:nvPr>
+        </p:nvSpPr>
+        <p:spPr/>
+        <p:txBody>
+          <a:bodyPr/>
+          <a:lstStyle/>
+          <a:p>
+            <a:r>
+              <a:rPr lang="en-US" dirty="0" err="1"/>
+              <a:t>Teorema</a:t>
+            </a:r>
+            <a:r>
+              <a:rPr lang="en-US" dirty="0"/>
+              <a:t> CAP</a:t>
+            </a:r>
+            <a:endParaRPr lang="ro-RO" dirty="0"/>
+          </a:p>
+        </p:txBody>
+      </p:sp>
+      <p:sp>
+        <p:nvSpPr>
+          <p:cNvPr id="4" name="Slide Number Placeholder 3">
+            <a:extLst>
+              <a:ext uri="{FF2B5EF4-FFF2-40B4-BE49-F238E27FC236}">
+                <a16:creationId xmlns:a16="http://schemas.microsoft.com/office/drawing/2014/main" id="{04814C92-CD1C-42EB-9D7A-5ED1DC7F0A49}"/>
+              </a:ext>
+            </a:extLst>
+          </p:cNvPr>
+          <p:cNvSpPr>
+            <a:spLocks noGrp="1"/>
+          </p:cNvSpPr>
+          <p:nvPr>
+            <p:ph type="sldNum" sz="quarter" idx="12"/>
+          </p:nvPr>
+        </p:nvSpPr>
+        <p:spPr/>
+        <p:txBody>
+          <a:bodyPr/>
+          <a:lstStyle/>
+          <a:p>
+            <a:fld id="{AEDBE7ED-98A7-4203-AC3B-6A83079B17A2}" type="slidenum">
+              <a:rPr lang="ro-RO" smtClean="0"/>
+              <a:t>20</a:t>
+            </a:fld>
+            <a:endParaRPr lang="ro-RO"/>
+          </a:p>
+        </p:txBody>
+      </p:sp>
+      <p:pic>
+        <p:nvPicPr>
+          <p:cNvPr id="8" name="Content Placeholder 7">
+            <a:extLst>
+              <a:ext uri="{FF2B5EF4-FFF2-40B4-BE49-F238E27FC236}">
+                <a16:creationId xmlns:a16="http://schemas.microsoft.com/office/drawing/2014/main" id="{B8871F13-21D2-4F6C-9BD9-A35AB07EA2F9}"/>
+              </a:ext>
+            </a:extLst>
+          </p:cNvPr>
+          <p:cNvPicPr>
+            <a:picLocks noGrp="1" noChangeAspect="1"/>
+          </p:cNvPicPr>
+          <p:nvPr>
+            <p:ph idx="1"/>
+          </p:nvPr>
+        </p:nvPicPr>
+        <p:blipFill>
+          <a:blip r:embed="rId3">
+            <a:extLst>
+              <a:ext uri="{28A0092B-C50C-407E-A947-70E740481C1C}">
+                <a14:useLocalDpi xmlns:a14="http://schemas.microsoft.com/office/drawing/2010/main" val="0"/>
+              </a:ext>
+            </a:extLst>
+          </a:blip>
+          <a:stretch>
+            <a:fillRect/>
+          </a:stretch>
+        </p:blipFill>
+        <p:spPr>
+          <a:xfrm>
+            <a:off x="3196508" y="1369226"/>
+            <a:ext cx="5798983" cy="4987124"/>
+          </a:xfrm>
+        </p:spPr>
+      </p:pic>
+    </p:spTree>
+    <p:extLst>
+      <p:ext uri="{BB962C8B-B14F-4D97-AF65-F5344CB8AC3E}">
+        <p14:creationId xmlns:p14="http://schemas.microsoft.com/office/powerpoint/2010/main" val="207884944"/>
+      </p:ext>
+    </p:extLst>
+  </p:cSld>
+  <p:clrMapOvr>
+    <a:masterClrMapping/>
+  </p:clrMapOvr>
+</p:sld>
+</file>
+
+<file path=ppt/slides/slide21.xml><?xml version="1.0" encoding="utf-8"?>
+<p:sld xmlns:a="http://schemas.openxmlformats.org/drawingml/2006/main" xmlns:r="http://schemas.openxmlformats.org/officeDocument/2006/relationships" xmlns:p="http://schemas.openxmlformats.org/presentationml/2006/main">
+  <p:cSld>
+    <p:spTree>
+      <p:nvGrpSpPr>
+        <p:cNvPr id="1" name=""/>
+        <p:cNvGrpSpPr/>
+        <p:nvPr/>
+      </p:nvGrpSpPr>
+      <p:grpSpPr>
+        <a:xfrm>
+          <a:off x="0" y="0"/>
+          <a:ext cx="0" cy="0"/>
+          <a:chOff x="0" y="0"/>
+          <a:chExt cx="0" cy="0"/>
+        </a:xfrm>
+      </p:grpSpPr>
+      <p:sp>
+        <p:nvSpPr>
+          <p:cNvPr id="2" name="Title 1">
+            <a:extLst>
+              <a:ext uri="{FF2B5EF4-FFF2-40B4-BE49-F238E27FC236}">
+                <a16:creationId xmlns:a16="http://schemas.microsoft.com/office/drawing/2014/main" id="{023C05B8-7C70-4B47-B57F-FAEC909D457D}"/>
+              </a:ext>
+            </a:extLst>
+          </p:cNvPr>
+          <p:cNvSpPr>
+            <a:spLocks noGrp="1"/>
+          </p:cNvSpPr>
+          <p:nvPr>
+            <p:ph type="title"/>
+          </p:nvPr>
+        </p:nvSpPr>
+        <p:spPr/>
+        <p:txBody>
+          <a:bodyPr/>
+          <a:lstStyle/>
+          <a:p>
+            <a:r>
+              <a:rPr lang="en-US" dirty="0" err="1"/>
+              <a:t>Concluzii</a:t>
+            </a:r>
+            <a:endParaRPr lang="ro-RO" dirty="0"/>
+          </a:p>
+        </p:txBody>
+      </p:sp>
+      <p:sp>
+        <p:nvSpPr>
+          <p:cNvPr id="3" name="Content Placeholder 2">
+            <a:extLst>
+              <a:ext uri="{FF2B5EF4-FFF2-40B4-BE49-F238E27FC236}">
+                <a16:creationId xmlns:a16="http://schemas.microsoft.com/office/drawing/2014/main" id="{05D8557D-C674-4175-933D-931ED4D1F3F9}"/>
+              </a:ext>
+            </a:extLst>
+          </p:cNvPr>
+          <p:cNvSpPr>
+            <a:spLocks noGrp="1"/>
+          </p:cNvSpPr>
+          <p:nvPr>
+            <p:ph idx="1"/>
+          </p:nvPr>
+        </p:nvSpPr>
+        <p:spPr/>
+        <p:txBody>
+          <a:bodyPr/>
+          <a:lstStyle/>
+          <a:p>
+            <a:pPr marL="0" indent="0">
+              <a:buNone/>
+            </a:pPr>
+            <a:r>
+              <a:rPr lang="ro-RO" dirty="0"/>
+              <a:t>Microserviciile:</a:t>
+            </a:r>
+          </a:p>
+          <a:p>
+            <a:r>
+              <a:rPr lang="ro-RO" dirty="0"/>
+              <a:t>Rezolvă multe dintre problemele „monoliților”.</a:t>
+            </a:r>
+          </a:p>
+          <a:p>
+            <a:r>
+              <a:rPr lang="ro-RO" dirty="0"/>
+              <a:t>Oferă scalabilitate.</a:t>
+            </a:r>
+          </a:p>
+          <a:p>
+            <a:r>
+              <a:rPr lang="ro-RO" dirty="0"/>
+              <a:t>Oferă reziliență.</a:t>
+            </a:r>
+          </a:p>
+          <a:p>
+            <a:r>
+              <a:rPr lang="ro-RO" dirty="0"/>
+              <a:t>Dar sporește complexitatea.</a:t>
+            </a:r>
+          </a:p>
+        </p:txBody>
+      </p:sp>
+      <p:sp>
+        <p:nvSpPr>
+          <p:cNvPr id="4" name="Slide Number Placeholder 3">
+            <a:extLst>
+              <a:ext uri="{FF2B5EF4-FFF2-40B4-BE49-F238E27FC236}">
+                <a16:creationId xmlns:a16="http://schemas.microsoft.com/office/drawing/2014/main" id="{6560F146-9F39-4478-9F08-FFC33C16625F}"/>
+              </a:ext>
+            </a:extLst>
+          </p:cNvPr>
+          <p:cNvSpPr>
+            <a:spLocks noGrp="1"/>
+          </p:cNvSpPr>
+          <p:nvPr>
+            <p:ph type="sldNum" sz="quarter" idx="12"/>
+          </p:nvPr>
+        </p:nvSpPr>
+        <p:spPr/>
+        <p:txBody>
+          <a:bodyPr/>
+          <a:lstStyle/>
+          <a:p>
+            <a:fld id="{AEDBE7ED-98A7-4203-AC3B-6A83079B17A2}" type="slidenum">
+              <a:rPr lang="ro-RO" smtClean="0"/>
+              <a:t>21</a:t>
+            </a:fld>
+            <a:endParaRPr lang="ro-RO"/>
+          </a:p>
+        </p:txBody>
+      </p:sp>
+    </p:spTree>
+    <p:extLst>
+      <p:ext uri="{BB962C8B-B14F-4D97-AF65-F5344CB8AC3E}">
+        <p14:creationId xmlns:p14="http://schemas.microsoft.com/office/powerpoint/2010/main" val="1282486114"/>
       </p:ext>
     </p:extLst>
   </p:cSld>

--- a/Venture.pptx
+++ b/Venture.pptx
@@ -7570,23 +7570,8 @@
           <a:p>
             <a:r>
               <a:rPr lang="ro-RO" dirty="0"/>
-              <a:t>C</a:t>
-            </a:r>
-            <a:r>
-              <a:rPr lang="it-IT" dirty="0"/>
-              <a:t>onsist</a:t>
-            </a:r>
-            <a:r>
-              <a:rPr lang="ro-RO" dirty="0"/>
-              <a:t>ă</a:t>
-            </a:r>
-            <a:r>
-              <a:rPr lang="it-IT" dirty="0"/>
-              <a:t> dintr-unul sau mai multe procese. </a:t>
-            </a:r>
-          </a:p>
-          <a:p>
-            <a:endParaRPr lang="ro-RO" dirty="0"/>
+              <a:t>Există în cadrul unui proces separat.</a:t>
+            </a:r>
           </a:p>
           <a:p>
             <a:endParaRPr lang="ro-RO" dirty="0"/>
@@ -7715,21 +7700,8 @@
           <a:p>
             <a:r>
               <a:rPr lang="ro-RO" dirty="0"/>
-              <a:t>C</a:t>
-            </a:r>
-            <a:r>
-              <a:rPr lang="it-IT" dirty="0"/>
-              <a:t>onsist</a:t>
-            </a:r>
-            <a:r>
-              <a:rPr lang="ro-RO" dirty="0"/>
-              <a:t>ă</a:t>
-            </a:r>
-            <a:r>
-              <a:rPr lang="it-IT" dirty="0"/>
-              <a:t> dintr-unul sau mai multe procese. </a:t>
-            </a:r>
-            <a:endParaRPr lang="ro-RO" dirty="0"/>
+              <a:t>Există în cadrul unui proces separat.</a:t>
+            </a:r>
           </a:p>
           <a:p>
             <a:r>
@@ -7870,21 +7842,8 @@
           <a:p>
             <a:r>
               <a:rPr lang="ro-RO" dirty="0"/>
-              <a:t>C</a:t>
-            </a:r>
-            <a:r>
-              <a:rPr lang="it-IT" dirty="0"/>
-              <a:t>onsist</a:t>
-            </a:r>
-            <a:r>
-              <a:rPr lang="ro-RO" dirty="0"/>
-              <a:t>ă</a:t>
-            </a:r>
-            <a:r>
-              <a:rPr lang="it-IT" dirty="0"/>
-              <a:t> dintr-unul sau mai multe procese. </a:t>
-            </a:r>
-            <a:endParaRPr lang="ro-RO" dirty="0"/>
+              <a:t>Există în cadrul unui proces separat.</a:t>
+            </a:r>
           </a:p>
           <a:p>
             <a:r>
@@ -8034,21 +7993,8 @@
           <a:p>
             <a:r>
               <a:rPr lang="ro-RO" dirty="0"/>
-              <a:t>C</a:t>
-            </a:r>
-            <a:r>
-              <a:rPr lang="it-IT" dirty="0"/>
-              <a:t>onsist</a:t>
-            </a:r>
-            <a:r>
-              <a:rPr lang="ro-RO" dirty="0"/>
-              <a:t>ă</a:t>
-            </a:r>
-            <a:r>
-              <a:rPr lang="it-IT" dirty="0"/>
-              <a:t> dintr-unul sau mai multe procese. </a:t>
-            </a:r>
-            <a:endParaRPr lang="ro-RO" dirty="0"/>
+              <a:t>Există în cadrul unui proces separat.</a:t>
+            </a:r>
           </a:p>
           <a:p>
             <a:r>

--- a/Venture.pptx
+++ b/Venture.pptx
@@ -221,7 +221,7 @@
           <a:p>
             <a:fld id="{BBF1DAB9-AA3B-4054-8BE9-0CAF8280FE09}" type="datetimeFigureOut">
               <a:rPr lang="ro-RO" smtClean="0"/>
-              <a:t>28.06.2017</a:t>
+              <a:t>29.06.2017</a:t>
             </a:fld>
             <a:endParaRPr lang="ro-RO"/>
           </a:p>
@@ -1707,6 +1707,90 @@
 </p:notes>
 </file>
 
+<file path=ppt/notesSlides/notesSlide21.xml><?xml version="1.0" encoding="utf-8"?>
+<p:notes xmlns:a="http://schemas.openxmlformats.org/drawingml/2006/main" xmlns:r="http://schemas.openxmlformats.org/officeDocument/2006/relationships" xmlns:p="http://schemas.openxmlformats.org/presentationml/2006/main">
+  <p:cSld>
+    <p:spTree>
+      <p:nvGrpSpPr>
+        <p:cNvPr id="1" name=""/>
+        <p:cNvGrpSpPr/>
+        <p:nvPr/>
+      </p:nvGrpSpPr>
+      <p:grpSpPr>
+        <a:xfrm>
+          <a:off x="0" y="0"/>
+          <a:ext cx="0" cy="0"/>
+          <a:chOff x="0" y="0"/>
+          <a:chExt cx="0" cy="0"/>
+        </a:xfrm>
+      </p:grpSpPr>
+      <p:sp>
+        <p:nvSpPr>
+          <p:cNvPr id="2" name="Slide Image Placeholder 1"/>
+          <p:cNvSpPr>
+            <a:spLocks noGrp="1" noRot="1" noChangeAspect="1"/>
+          </p:cNvSpPr>
+          <p:nvPr>
+            <p:ph type="sldImg"/>
+          </p:nvPr>
+        </p:nvSpPr>
+        <p:spPr/>
+      </p:sp>
+      <p:sp>
+        <p:nvSpPr>
+          <p:cNvPr id="3" name="Notes Placeholder 2"/>
+          <p:cNvSpPr>
+            <a:spLocks noGrp="1"/>
+          </p:cNvSpPr>
+          <p:nvPr>
+            <p:ph type="body" idx="1"/>
+          </p:nvPr>
+        </p:nvSpPr>
+        <p:spPr/>
+        <p:txBody>
+          <a:bodyPr/>
+          <a:lstStyle/>
+          <a:p>
+            <a:endParaRPr lang="ro-RO" dirty="0"/>
+          </a:p>
+        </p:txBody>
+      </p:sp>
+      <p:sp>
+        <p:nvSpPr>
+          <p:cNvPr id="4" name="Slide Number Placeholder 3"/>
+          <p:cNvSpPr>
+            <a:spLocks noGrp="1"/>
+          </p:cNvSpPr>
+          <p:nvPr>
+            <p:ph type="sldNum" sz="quarter" idx="10"/>
+          </p:nvPr>
+        </p:nvSpPr>
+        <p:spPr/>
+        <p:txBody>
+          <a:bodyPr/>
+          <a:lstStyle/>
+          <a:p>
+            <a:fld id="{C7F9353B-E82F-49C4-B477-1375C0C1E55E}" type="slidenum">
+              <a:rPr lang="ro-RO" smtClean="0"/>
+              <a:t>21</a:t>
+            </a:fld>
+            <a:endParaRPr lang="ro-RO"/>
+          </a:p>
+        </p:txBody>
+      </p:sp>
+    </p:spTree>
+    <p:extLst>
+      <p:ext uri="{BB962C8B-B14F-4D97-AF65-F5344CB8AC3E}">
+        <p14:creationId xmlns:p14="http://schemas.microsoft.com/office/powerpoint/2010/main" val="1432465731"/>
+      </p:ext>
+    </p:extLst>
+  </p:cSld>
+  <p:clrMapOvr>
+    <a:masterClrMapping/>
+  </p:clrMapOvr>
+</p:notes>
+</file>
+
 <file path=ppt/notesSlides/notesSlide3.xml><?xml version="1.0" encoding="utf-8"?>
 <p:notes xmlns:a="http://schemas.openxmlformats.org/drawingml/2006/main" xmlns:r="http://schemas.openxmlformats.org/officeDocument/2006/relationships" xmlns:p="http://schemas.openxmlformats.org/presentationml/2006/main">
   <p:cSld>
@@ -2441,7 +2525,7 @@
           <a:p>
             <a:fld id="{FB3D0573-E7A3-4EF4-A5A4-57964CA52A2E}" type="datetime1">
               <a:rPr lang="ro-RO" smtClean="0"/>
-              <a:t>28.06.2017</a:t>
+              <a:t>29.06.2017</a:t>
             </a:fld>
             <a:endParaRPr lang="ro-RO"/>
           </a:p>
@@ -2611,7 +2695,7 @@
           <a:p>
             <a:fld id="{A378AA7C-769E-4F17-8143-1F7AE847BB88}" type="datetime1">
               <a:rPr lang="ro-RO" smtClean="0"/>
-              <a:t>28.06.2017</a:t>
+              <a:t>29.06.2017</a:t>
             </a:fld>
             <a:endParaRPr lang="ro-RO"/>
           </a:p>
@@ -2791,7 +2875,7 @@
           <a:p>
             <a:fld id="{26EB5748-275A-4356-8C75-0B1920DB7B93}" type="datetime1">
               <a:rPr lang="ro-RO" smtClean="0"/>
-              <a:t>28.06.2017</a:t>
+              <a:t>29.06.2017</a:t>
             </a:fld>
             <a:endParaRPr lang="ro-RO"/>
           </a:p>
@@ -2961,7 +3045,7 @@
           <a:p>
             <a:fld id="{AE916901-C0AA-41F5-A0CA-1E706D19FDC0}" type="datetime1">
               <a:rPr lang="ro-RO" smtClean="0"/>
-              <a:t>28.06.2017</a:t>
+              <a:t>29.06.2017</a:t>
             </a:fld>
             <a:endParaRPr lang="ro-RO"/>
           </a:p>
@@ -3207,7 +3291,7 @@
           <a:p>
             <a:fld id="{056FC090-9E28-46A9-981E-6147E0C5350B}" type="datetime1">
               <a:rPr lang="ro-RO" smtClean="0"/>
-              <a:t>28.06.2017</a:t>
+              <a:t>29.06.2017</a:t>
             </a:fld>
             <a:endParaRPr lang="ro-RO"/>
           </a:p>
@@ -3439,7 +3523,7 @@
           <a:p>
             <a:fld id="{ED9351B2-2435-4907-9427-4CCD3F9C42B9}" type="datetime1">
               <a:rPr lang="ro-RO" smtClean="0"/>
-              <a:t>28.06.2017</a:t>
+              <a:t>29.06.2017</a:t>
             </a:fld>
             <a:endParaRPr lang="ro-RO"/>
           </a:p>
@@ -3806,7 +3890,7 @@
           <a:p>
             <a:fld id="{E67B79C5-BAB0-4689-8F71-44E7F15221FE}" type="datetime1">
               <a:rPr lang="ro-RO" smtClean="0"/>
-              <a:t>28.06.2017</a:t>
+              <a:t>29.06.2017</a:t>
             </a:fld>
             <a:endParaRPr lang="ro-RO"/>
           </a:p>
@@ -3924,7 +4008,7 @@
           <a:p>
             <a:fld id="{49142F08-A74B-4FD9-896F-D6F4F657581E}" type="datetime1">
               <a:rPr lang="ro-RO" smtClean="0"/>
-              <a:t>28.06.2017</a:t>
+              <a:t>29.06.2017</a:t>
             </a:fld>
             <a:endParaRPr lang="ro-RO"/>
           </a:p>
@@ -4019,7 +4103,7 @@
           <a:p>
             <a:fld id="{D036B37A-90AC-40EA-AAC6-E9CAA172CF7D}" type="datetime1">
               <a:rPr lang="ro-RO" smtClean="0"/>
-              <a:t>28.06.2017</a:t>
+              <a:t>29.06.2017</a:t>
             </a:fld>
             <a:endParaRPr lang="ro-RO"/>
           </a:p>
@@ -4296,7 +4380,7 @@
           <a:p>
             <a:fld id="{3C4BA9A4-CE69-47E9-9E9A-F5B28294163E}" type="datetime1">
               <a:rPr lang="ro-RO" smtClean="0"/>
-              <a:t>28.06.2017</a:t>
+              <a:t>29.06.2017</a:t>
             </a:fld>
             <a:endParaRPr lang="ro-RO"/>
           </a:p>
@@ -4553,7 +4637,7 @@
           <a:p>
             <a:fld id="{878767AC-515D-4B60-AEFE-D952D1C9D051}" type="datetime1">
               <a:rPr lang="ro-RO" smtClean="0"/>
-              <a:t>28.06.2017</a:t>
+              <a:t>29.06.2017</a:t>
             </a:fld>
             <a:endParaRPr lang="ro-RO"/>
           </a:p>
@@ -4766,7 +4850,7 @@
           <a:p>
             <a:fld id="{8303623A-B2D0-4659-AC28-5AB92DEF6361}" type="datetime1">
               <a:rPr lang="ro-RO" smtClean="0"/>
-              <a:t>28.06.2017</a:t>
+              <a:t>29.06.2017</a:t>
             </a:fld>
             <a:endParaRPr lang="ro-RO"/>
           </a:p>
@@ -7067,8 +7151,12 @@
               <a:buNone/>
             </a:pPr>
             <a:r>
+              <a:rPr lang="ro-RO" dirty="0" err="1"/>
+              <a:t>Pros</a:t>
+            </a:r>
+            <a:r>
               <a:rPr lang="ro-RO" dirty="0"/>
-              <a:t>Microserviciile:</a:t>
+              <a:t>:</a:t>
             </a:r>
           </a:p>
           <a:p>
@@ -7090,9 +7178,29 @@
             </a:r>
           </a:p>
           <a:p>
+            <a:endParaRPr lang="ro-RO" dirty="0"/>
+          </a:p>
+          <a:p>
+            <a:pPr marL="0" indent="0">
+              <a:buNone/>
+            </a:pPr>
+            <a:r>
+              <a:rPr lang="ro-RO" dirty="0" err="1"/>
+              <a:t>Cons</a:t>
+            </a:r>
             <a:r>
               <a:rPr lang="ro-RO" dirty="0"/>
-              <a:t>Dar sporește complexitatea.</a:t>
+              <a:t>:</a:t>
+            </a:r>
+          </a:p>
+          <a:p>
+            <a:r>
+              <a:rPr lang="ro-RO"/>
+              <a:t>Sporește </a:t>
+            </a:r>
+            <a:r>
+              <a:rPr lang="ro-RO" dirty="0"/>
+              <a:t>complexitatea.</a:t>
             </a:r>
           </a:p>
         </p:txBody>
